--- a/docs/group4_project_presentation.pptx
+++ b/docs/group4_project_presentation.pptx
@@ -5,18 +5,20 @@
     <p:sldMasterId id="2147483660" r:id="rId1"/>
   </p:sldMasterIdLst>
   <p:notesMasterIdLst>
-    <p:notesMasterId r:id="rId11"/>
+    <p:notesMasterId r:id="rId13"/>
   </p:notesMasterIdLst>
   <p:sldIdLst>
     <p:sldId id="256" r:id="rId2"/>
     <p:sldId id="257" r:id="rId3"/>
     <p:sldId id="258" r:id="rId4"/>
     <p:sldId id="260" r:id="rId5"/>
-    <p:sldId id="264" r:id="rId6"/>
-    <p:sldId id="262" r:id="rId7"/>
-    <p:sldId id="263" r:id="rId8"/>
+    <p:sldId id="262" r:id="rId6"/>
+    <p:sldId id="263" r:id="rId7"/>
+    <p:sldId id="264" r:id="rId8"/>
     <p:sldId id="259" r:id="rId9"/>
     <p:sldId id="261" r:id="rId10"/>
+    <p:sldId id="266" r:id="rId11"/>
+    <p:sldId id="267" r:id="rId12"/>
   </p:sldIdLst>
   <p:sldSz cx="9144000" cy="6858000" type="screen4x3"/>
   <p:notesSz cx="6858000" cy="9144000"/>
@@ -201,7 +203,7 @@
             <a:fld id="{208B6049-45AF-4855-985C-185012BA219A}" type="datetimeFigureOut">
               <a:rPr lang="de-DE" smtClean="0"/>
               <a:pPr/>
-              <a:t>18.11.2012</a:t>
+              <a:t>19.11.2012</a:t>
             </a:fld>
             <a:endParaRPr lang="de-DE"/>
           </a:p>
@@ -361,7 +363,7 @@
             <a:fld id="{659CEC5D-4A85-40E8-8CE8-2BEB4B481F32}" type="slidenum">
               <a:rPr lang="de-DE" smtClean="0"/>
               <a:pPr/>
-              <a:t>‹#›</a:t>
+              <a:t>‹Nr.›</a:t>
             </a:fld>
             <a:endParaRPr lang="de-DE"/>
           </a:p>
@@ -370,7 +372,7 @@
     </p:spTree>
     <p:extLst>
       <p:ext uri="{BB962C8B-B14F-4D97-AF65-F5344CB8AC3E}">
-        <p14:creationId xmlns="" xmlns:p14="http://schemas.microsoft.com/office/powerpoint/2010/main" val="1095461984"/>
+        <p14:creationId xmlns:p14="http://schemas.microsoft.com/office/powerpoint/2010/main" xmlns="" val="1095461984"/>
       </p:ext>
     </p:extLst>
   </p:cSld>
@@ -731,7 +733,7 @@
           <a:blip r:embed="rId2" cstate="print">
             <a:extLst>
               <a:ext uri="{28A0092B-C50C-407E-A947-70E740481C1C}">
-                <a14:useLocalDpi xmlns="" xmlns:a14="http://schemas.microsoft.com/office/drawing/2010/main" val="0"/>
+                <a14:useLocalDpi xmlns:a14="http://schemas.microsoft.com/office/drawing/2010/main" xmlns="" val="0"/>
               </a:ext>
             </a:extLst>
           </a:blip>
@@ -754,14 +756,14 @@
           </a:ln>
           <a:extLst>
             <a:ext uri="{909E8E84-426E-40DD-AFC4-6F175D3DCCD1}">
-              <a14:hiddenFill xmlns="" xmlns:a14="http://schemas.microsoft.com/office/drawing/2010/main">
+              <a14:hiddenFill xmlns:a14="http://schemas.microsoft.com/office/drawing/2010/main" xmlns="">
                 <a:solidFill>
                   <a:srgbClr val="FFFFFF"/>
                 </a:solidFill>
               </a14:hiddenFill>
             </a:ext>
             <a:ext uri="{91240B29-F687-4F45-9708-019B960494DF}">
-              <a14:hiddenLine xmlns="" xmlns:a14="http://schemas.microsoft.com/office/drawing/2010/main" w="9525">
+              <a14:hiddenLine xmlns:a14="http://schemas.microsoft.com/office/drawing/2010/main" xmlns="" w="9525">
                 <a:solidFill>
                   <a:srgbClr val="000000"/>
                 </a:solidFill>
@@ -886,7 +888,7 @@
     </p:spTree>
     <p:extLst>
       <p:ext uri="{BB962C8B-B14F-4D97-AF65-F5344CB8AC3E}">
-        <p14:creationId xmlns="" xmlns:p14="http://schemas.microsoft.com/office/powerpoint/2010/main" val="364360318"/>
+        <p14:creationId xmlns:p14="http://schemas.microsoft.com/office/powerpoint/2010/main" xmlns="" val="364360318"/>
       </p:ext>
     </p:extLst>
   </p:cSld>
@@ -1090,7 +1092,7 @@
             <a:fld id="{121E5A8C-2088-45D2-9D84-10B3EA412A4C}" type="slidenum">
               <a:rPr lang="de-DE" smtClean="0"/>
               <a:pPr/>
-              <a:t>‹#›</a:t>
+              <a:t>‹Nr.›</a:t>
             </a:fld>
             <a:endParaRPr lang="de-DE" dirty="0"/>
           </a:p>
@@ -1099,7 +1101,7 @@
     </p:spTree>
     <p:extLst>
       <p:ext uri="{BB962C8B-B14F-4D97-AF65-F5344CB8AC3E}">
-        <p14:creationId xmlns="" xmlns:p14="http://schemas.microsoft.com/office/powerpoint/2010/main" val="1803307076"/>
+        <p14:creationId xmlns:p14="http://schemas.microsoft.com/office/powerpoint/2010/main" xmlns="" val="1803307076"/>
       </p:ext>
     </p:extLst>
   </p:cSld>
@@ -1417,7 +1419,7 @@
             <a:fld id="{121E5A8C-2088-45D2-9D84-10B3EA412A4C}" type="slidenum">
               <a:rPr lang="de-DE" smtClean="0"/>
               <a:pPr/>
-              <a:t>‹#›</a:t>
+              <a:t>‹Nr.›</a:t>
             </a:fld>
             <a:endParaRPr lang="de-DE"/>
           </a:p>
@@ -1426,7 +1428,7 @@
     </p:spTree>
     <p:extLst>
       <p:ext uri="{BB962C8B-B14F-4D97-AF65-F5344CB8AC3E}">
-        <p14:creationId xmlns="" xmlns:p14="http://schemas.microsoft.com/office/powerpoint/2010/main" val="302666195"/>
+        <p14:creationId xmlns:p14="http://schemas.microsoft.com/office/powerpoint/2010/main" xmlns="" val="302666195"/>
       </p:ext>
     </p:extLst>
   </p:cSld>
@@ -1489,14 +1491,14 @@
           </a:ln>
           <a:extLst>
             <a:ext uri="{909E8E84-426E-40DD-AFC4-6F175D3DCCD1}">
-              <a14:hiddenFill xmlns="" xmlns:a14="http://schemas.microsoft.com/office/drawing/2010/main">
+              <a14:hiddenFill xmlns:a14="http://schemas.microsoft.com/office/drawing/2010/main" xmlns="">
                 <a:solidFill>
                   <a:srgbClr val="FFFFFF"/>
                 </a:solidFill>
               </a14:hiddenFill>
             </a:ext>
             <a:ext uri="{91240B29-F687-4F45-9708-019B960494DF}">
-              <a14:hiddenLine xmlns="" xmlns:a14="http://schemas.microsoft.com/office/drawing/2010/main" w="9525">
+              <a14:hiddenLine xmlns:a14="http://schemas.microsoft.com/office/drawing/2010/main" xmlns="" w="9525">
                 <a:solidFill>
                   <a:srgbClr val="000000"/>
                 </a:solidFill>
@@ -1547,14 +1549,14 @@
           </a:ln>
           <a:extLst>
             <a:ext uri="{909E8E84-426E-40DD-AFC4-6F175D3DCCD1}">
-              <a14:hiddenFill xmlns="" xmlns:a14="http://schemas.microsoft.com/office/drawing/2010/main">
+              <a14:hiddenFill xmlns:a14="http://schemas.microsoft.com/office/drawing/2010/main" xmlns="">
                 <a:solidFill>
                   <a:srgbClr val="FFFFFF"/>
                 </a:solidFill>
               </a14:hiddenFill>
             </a:ext>
             <a:ext uri="{91240B29-F687-4F45-9708-019B960494DF}">
-              <a14:hiddenLine xmlns="" xmlns:a14="http://schemas.microsoft.com/office/drawing/2010/main" w="9525">
+              <a14:hiddenLine xmlns:a14="http://schemas.microsoft.com/office/drawing/2010/main" xmlns="" w="9525">
                 <a:solidFill>
                   <a:srgbClr val="000000"/>
                 </a:solidFill>
@@ -1757,7 +1759,7 @@
             <a:fld id="{121E5A8C-2088-45D2-9D84-10B3EA412A4C}" type="slidenum">
               <a:rPr lang="de-DE" smtClean="0"/>
               <a:pPr/>
-              <a:t>‹#›</a:t>
+              <a:t>‹Nr.›</a:t>
             </a:fld>
             <a:endParaRPr lang="de-DE"/>
           </a:p>
@@ -1965,7 +1967,7 @@
           <a:blip r:embed="rId5" cstate="print">
             <a:extLst>
               <a:ext uri="{28A0092B-C50C-407E-A947-70E740481C1C}">
-                <a14:useLocalDpi xmlns="" xmlns:a14="http://schemas.microsoft.com/office/drawing/2010/main" val="0"/>
+                <a14:useLocalDpi xmlns:a14="http://schemas.microsoft.com/office/drawing/2010/main" xmlns="" val="0"/>
               </a:ext>
             </a:extLst>
           </a:blip>
@@ -1988,14 +1990,14 @@
           </a:ln>
           <a:extLst>
             <a:ext uri="{909E8E84-426E-40DD-AFC4-6F175D3DCCD1}">
-              <a14:hiddenFill xmlns="" xmlns:a14="http://schemas.microsoft.com/office/drawing/2010/main">
+              <a14:hiddenFill xmlns:a14="http://schemas.microsoft.com/office/drawing/2010/main" xmlns="">
                 <a:solidFill>
                   <a:srgbClr val="FFFFFF"/>
                 </a:solidFill>
               </a14:hiddenFill>
             </a:ext>
             <a:ext uri="{91240B29-F687-4F45-9708-019B960494DF}">
-              <a14:hiddenLine xmlns="" xmlns:a14="http://schemas.microsoft.com/office/drawing/2010/main" w="9525">
+              <a14:hiddenLine xmlns:a14="http://schemas.microsoft.com/office/drawing/2010/main" xmlns="" w="9525">
                 <a:solidFill>
                   <a:srgbClr val="000000"/>
                 </a:solidFill>
@@ -2597,11 +2599,7 @@
             </a:r>
             <a:r>
               <a:rPr lang="de-DE" dirty="0" smtClean="0"/>
-              <a:t> </a:t>
-            </a:r>
-            <a:r>
-              <a:rPr lang="de-DE" dirty="0" smtClean="0"/>
-              <a:t>– </a:t>
+              <a:t> – </a:t>
             </a:r>
             <a:r>
               <a:rPr lang="pl-PL" dirty="0" smtClean="0"/>
@@ -2716,7 +2714,7 @@
     </p:spTree>
     <p:extLst>
       <p:ext uri="{BB962C8B-B14F-4D97-AF65-F5344CB8AC3E}">
-        <p14:creationId xmlns="" xmlns:p14="http://schemas.microsoft.com/office/powerpoint/2010/main" val="2518694071"/>
+        <p14:creationId xmlns:p14="http://schemas.microsoft.com/office/powerpoint/2010/main" xmlns="" val="2518694071"/>
       </p:ext>
     </p:extLst>
   </p:cSld>
@@ -2730,6 +2728,345 @@
       </p:par>
     </p:tnLst>
   </p:timing>
+</p:sld>
+</file>
+
+<file path=ppt/slides/slide10.xml><?xml version="1.0" encoding="utf-8"?>
+<p:sld xmlns:a="http://schemas.openxmlformats.org/drawingml/2006/main" xmlns:r="http://schemas.openxmlformats.org/officeDocument/2006/relationships" xmlns:p="http://schemas.openxmlformats.org/presentationml/2006/main">
+  <p:cSld>
+    <p:spTree>
+      <p:nvGrpSpPr>
+        <p:cNvPr id="1" name=""/>
+        <p:cNvGrpSpPr/>
+        <p:nvPr/>
+      </p:nvGrpSpPr>
+      <p:grpSpPr>
+        <a:xfrm>
+          <a:off x="0" y="0"/>
+          <a:ext cx="0" cy="0"/>
+          <a:chOff x="0" y="0"/>
+          <a:chExt cx="0" cy="0"/>
+        </a:xfrm>
+      </p:grpSpPr>
+      <p:sp>
+        <p:nvSpPr>
+          <p:cNvPr id="2" name="Titel 1"/>
+          <p:cNvSpPr>
+            <a:spLocks noGrp="1"/>
+          </p:cNvSpPr>
+          <p:nvPr>
+            <p:ph type="title"/>
+          </p:nvPr>
+        </p:nvSpPr>
+        <p:spPr/>
+        <p:txBody>
+          <a:bodyPr/>
+          <a:lstStyle/>
+          <a:p>
+            <a:r>
+              <a:rPr lang="de-DE" smtClean="0"/>
+              <a:t>Competitors</a:t>
+            </a:r>
+            <a:endParaRPr lang="de-DE"/>
+          </a:p>
+        </p:txBody>
+      </p:sp>
+      <p:sp>
+        <p:nvSpPr>
+          <p:cNvPr id="3" name="Inhaltsplatzhalter 2"/>
+          <p:cNvSpPr>
+            <a:spLocks noGrp="1"/>
+          </p:cNvSpPr>
+          <p:nvPr>
+            <p:ph idx="1"/>
+          </p:nvPr>
+        </p:nvSpPr>
+        <p:spPr/>
+        <p:txBody>
+          <a:bodyPr anchor="ctr"/>
+          <a:lstStyle/>
+          <a:p>
+            <a:pPr>
+              <a:lnSpc>
+                <a:spcPct val="150000"/>
+              </a:lnSpc>
+            </a:pPr>
+            <a:r>
+              <a:rPr lang="de-DE" smtClean="0"/>
+              <a:t>Traditional browser games (Ogame, Droidwars)</a:t>
+            </a:r>
+          </a:p>
+          <a:p>
+            <a:pPr>
+              <a:lnSpc>
+                <a:spcPct val="150000"/>
+              </a:lnSpc>
+            </a:pPr>
+            <a:r>
+              <a:rPr lang="de-DE" smtClean="0"/>
+              <a:t>Persistent mobile multiplayer games (Mobile Mafia, Kriegs Spiel [sic!])</a:t>
+            </a:r>
+          </a:p>
+          <a:p>
+            <a:pPr>
+              <a:lnSpc>
+                <a:spcPct val="150000"/>
+              </a:lnSpc>
+            </a:pPr>
+            <a:r>
+              <a:rPr lang="de-DE" smtClean="0"/>
+              <a:t>Location based social networks (Foursquare, Google Latitude)</a:t>
+            </a:r>
+          </a:p>
+          <a:p>
+            <a:pPr>
+              <a:lnSpc>
+                <a:spcPct val="150000"/>
+              </a:lnSpc>
+            </a:pPr>
+            <a:r>
+              <a:rPr lang="de-DE" smtClean="0"/>
+              <a:t>Ingress by Niantic Labs (closed beta)</a:t>
+            </a:r>
+            <a:endParaRPr lang="de-DE"/>
+          </a:p>
+        </p:txBody>
+      </p:sp>
+      <p:sp>
+        <p:nvSpPr>
+          <p:cNvPr id="4" name="Datumsplatzhalter 3"/>
+          <p:cNvSpPr>
+            <a:spLocks noGrp="1"/>
+          </p:cNvSpPr>
+          <p:nvPr>
+            <p:ph type="dt" sz="half" idx="10"/>
+          </p:nvPr>
+        </p:nvSpPr>
+        <p:spPr/>
+        <p:txBody>
+          <a:bodyPr/>
+          <a:lstStyle/>
+          <a:p>
+            <a:r>
+              <a:rPr lang="de-DE" smtClean="0"/>
+              <a:t>05.11.2012</a:t>
+            </a:r>
+            <a:endParaRPr lang="de-DE" dirty="0"/>
+          </a:p>
+        </p:txBody>
+      </p:sp>
+      <p:sp>
+        <p:nvSpPr>
+          <p:cNvPr id="5" name="Fußzeilenplatzhalter 4"/>
+          <p:cNvSpPr>
+            <a:spLocks noGrp="1"/>
+          </p:cNvSpPr>
+          <p:nvPr>
+            <p:ph type="ftr" sz="quarter" idx="11"/>
+          </p:nvPr>
+        </p:nvSpPr>
+        <p:spPr/>
+        <p:txBody>
+          <a:bodyPr/>
+          <a:lstStyle/>
+          <a:p>
+            <a:r>
+              <a:rPr lang="de-DE" smtClean="0"/>
+              <a:t>Master Lab Course Web Applications</a:t>
+            </a:r>
+            <a:endParaRPr lang="de-DE" dirty="0"/>
+          </a:p>
+        </p:txBody>
+      </p:sp>
+      <p:sp>
+        <p:nvSpPr>
+          <p:cNvPr id="6" name="Foliennummernplatzhalter 5"/>
+          <p:cNvSpPr>
+            <a:spLocks noGrp="1"/>
+          </p:cNvSpPr>
+          <p:nvPr>
+            <p:ph type="sldNum" sz="quarter" idx="12"/>
+          </p:nvPr>
+        </p:nvSpPr>
+        <p:spPr/>
+        <p:txBody>
+          <a:bodyPr/>
+          <a:lstStyle/>
+          <a:p>
+            <a:fld id="{121E5A8C-2088-45D2-9D84-10B3EA412A4C}" type="slidenum">
+              <a:rPr lang="de-DE" smtClean="0"/>
+              <a:pPr/>
+              <a:t>10</a:t>
+            </a:fld>
+            <a:endParaRPr lang="de-DE" dirty="0"/>
+          </a:p>
+        </p:txBody>
+      </p:sp>
+    </p:spTree>
+  </p:cSld>
+  <p:clrMapOvr>
+    <a:masterClrMapping/>
+  </p:clrMapOvr>
+</p:sld>
+</file>
+
+<file path=ppt/slides/slide11.xml><?xml version="1.0" encoding="utf-8"?>
+<p:sld xmlns:a="http://schemas.openxmlformats.org/drawingml/2006/main" xmlns:r="http://schemas.openxmlformats.org/officeDocument/2006/relationships" xmlns:p="http://schemas.openxmlformats.org/presentationml/2006/main">
+  <p:cSld>
+    <p:spTree>
+      <p:nvGrpSpPr>
+        <p:cNvPr id="1" name=""/>
+        <p:cNvGrpSpPr/>
+        <p:nvPr/>
+      </p:nvGrpSpPr>
+      <p:grpSpPr>
+        <a:xfrm>
+          <a:off x="0" y="0"/>
+          <a:ext cx="0" cy="0"/>
+          <a:chOff x="0" y="0"/>
+          <a:chExt cx="0" cy="0"/>
+        </a:xfrm>
+      </p:grpSpPr>
+      <p:sp>
+        <p:nvSpPr>
+          <p:cNvPr id="2" name="Titel 1"/>
+          <p:cNvSpPr>
+            <a:spLocks noGrp="1"/>
+          </p:cNvSpPr>
+          <p:nvPr>
+            <p:ph type="title"/>
+          </p:nvPr>
+        </p:nvSpPr>
+        <p:spPr/>
+        <p:txBody>
+          <a:bodyPr/>
+          <a:lstStyle/>
+          <a:p>
+            <a:r>
+              <a:rPr lang="de-DE" smtClean="0"/>
+              <a:t>Unique selling proposition</a:t>
+            </a:r>
+            <a:endParaRPr lang="de-DE"/>
+          </a:p>
+        </p:txBody>
+      </p:sp>
+      <p:sp>
+        <p:nvSpPr>
+          <p:cNvPr id="3" name="Inhaltsplatzhalter 2"/>
+          <p:cNvSpPr>
+            <a:spLocks noGrp="1"/>
+          </p:cNvSpPr>
+          <p:nvPr>
+            <p:ph idx="1"/>
+          </p:nvPr>
+        </p:nvSpPr>
+        <p:spPr/>
+        <p:txBody>
+          <a:bodyPr anchor="ctr"/>
+          <a:lstStyle/>
+          <a:p>
+            <a:r>
+              <a:rPr lang="de-DE" smtClean="0"/>
+              <a:t>Mixture of real-life exploration and traditional browser games</a:t>
+            </a:r>
+          </a:p>
+          <a:p>
+            <a:r>
+              <a:rPr lang="de-DE" smtClean="0"/>
+              <a:t>Players have to meet in person</a:t>
+            </a:r>
+          </a:p>
+          <a:p>
+            <a:pPr>
+              <a:lnSpc>
+                <a:spcPct val="150000"/>
+              </a:lnSpc>
+            </a:pPr>
+            <a:r>
+              <a:rPr lang="de-DE" smtClean="0"/>
+              <a:t>Imposing of a virtual world over the known material world</a:t>
+            </a:r>
+          </a:p>
+          <a:p>
+            <a:endParaRPr lang="de-DE"/>
+          </a:p>
+        </p:txBody>
+      </p:sp>
+      <p:sp>
+        <p:nvSpPr>
+          <p:cNvPr id="4" name="Datumsplatzhalter 3"/>
+          <p:cNvSpPr>
+            <a:spLocks noGrp="1"/>
+          </p:cNvSpPr>
+          <p:nvPr>
+            <p:ph type="dt" sz="half" idx="10"/>
+          </p:nvPr>
+        </p:nvSpPr>
+        <p:spPr/>
+        <p:txBody>
+          <a:bodyPr/>
+          <a:lstStyle/>
+          <a:p>
+            <a:r>
+              <a:rPr lang="de-DE" smtClean="0"/>
+              <a:t>05.11.2012</a:t>
+            </a:r>
+            <a:endParaRPr lang="de-DE" dirty="0"/>
+          </a:p>
+        </p:txBody>
+      </p:sp>
+      <p:sp>
+        <p:nvSpPr>
+          <p:cNvPr id="5" name="Fußzeilenplatzhalter 4"/>
+          <p:cNvSpPr>
+            <a:spLocks noGrp="1"/>
+          </p:cNvSpPr>
+          <p:nvPr>
+            <p:ph type="ftr" sz="quarter" idx="11"/>
+          </p:nvPr>
+        </p:nvSpPr>
+        <p:spPr/>
+        <p:txBody>
+          <a:bodyPr/>
+          <a:lstStyle/>
+          <a:p>
+            <a:r>
+              <a:rPr lang="de-DE" smtClean="0"/>
+              <a:t>Master Lab Course Web Applications</a:t>
+            </a:r>
+            <a:endParaRPr lang="de-DE" dirty="0"/>
+          </a:p>
+        </p:txBody>
+      </p:sp>
+      <p:sp>
+        <p:nvSpPr>
+          <p:cNvPr id="6" name="Foliennummernplatzhalter 5"/>
+          <p:cNvSpPr>
+            <a:spLocks noGrp="1"/>
+          </p:cNvSpPr>
+          <p:nvPr>
+            <p:ph type="sldNum" sz="quarter" idx="12"/>
+          </p:nvPr>
+        </p:nvSpPr>
+        <p:spPr/>
+        <p:txBody>
+          <a:bodyPr/>
+          <a:lstStyle/>
+          <a:p>
+            <a:fld id="{121E5A8C-2088-45D2-9D84-10B3EA412A4C}" type="slidenum">
+              <a:rPr lang="de-DE" smtClean="0"/>
+              <a:pPr/>
+              <a:t>11</a:t>
+            </a:fld>
+            <a:endParaRPr lang="de-DE" dirty="0"/>
+          </a:p>
+        </p:txBody>
+      </p:sp>
+    </p:spTree>
+  </p:cSld>
+  <p:clrMapOvr>
+    <a:masterClrMapping/>
+  </p:clrMapOvr>
 </p:sld>
 </file>
 
@@ -2767,15 +3104,19 @@
           <a:p>
             <a:r>
               <a:rPr lang="pl-PL" dirty="0" smtClean="0"/>
-              <a:t>Idea – </a:t>
-            </a:r>
-            <a:r>
-              <a:rPr lang="pl-PL" dirty="0" err="1" smtClean="0"/>
-              <a:t>Augmented</a:t>
-            </a:r>
-            <a:r>
-              <a:rPr lang="pl-PL" dirty="0" smtClean="0"/>
-              <a:t> Reality Wars</a:t>
+              <a:t>Idea </a:t>
+            </a:r>
+            <a:r>
+              <a:rPr lang="pl-PL" smtClean="0"/>
+              <a:t>– </a:t>
+            </a:r>
+            <a:r>
+              <a:rPr lang="de-DE" smtClean="0"/>
+              <a:t>AR</a:t>
+            </a:r>
+            <a:r>
+              <a:rPr lang="pl-PL" smtClean="0"/>
+              <a:t>Wars</a:t>
             </a:r>
             <a:endParaRPr lang="pl-PL" dirty="0"/>
           </a:p>
@@ -2810,125 +3151,34 @@
               <a:t> </a:t>
             </a:r>
             <a:r>
-              <a:rPr lang="pl-PL" dirty="0" err="1" smtClean="0"/>
+              <a:rPr lang="pl-PL" err="1" smtClean="0"/>
               <a:t>multiplayer</a:t>
             </a:r>
             <a:r>
-              <a:rPr lang="pl-PL" dirty="0" smtClean="0"/>
+              <a:rPr lang="pl-PL" smtClean="0"/>
               <a:t> </a:t>
             </a:r>
             <a:r>
-              <a:rPr lang="pl-PL" dirty="0" err="1" smtClean="0"/>
-              <a:t>real-time</a:t>
-            </a:r>
-            <a:r>
-              <a:rPr lang="pl-PL" dirty="0" smtClean="0"/>
-              <a:t> </a:t>
-            </a:r>
-            <a:r>
-              <a:rPr lang="pl-PL" dirty="0" err="1" smtClean="0"/>
-              <a:t>strategy</a:t>
-            </a:r>
-            <a:r>
-              <a:rPr lang="pl-PL" dirty="0" smtClean="0"/>
-              <a:t> </a:t>
-            </a:r>
-            <a:r>
-              <a:rPr lang="pl-PL" dirty="0" err="1" smtClean="0"/>
-              <a:t>game</a:t>
-            </a:r>
-            <a:endParaRPr lang="pl-PL" dirty="0" smtClean="0"/>
-          </a:p>
-          <a:p>
-            <a:r>
-              <a:rPr lang="pl-PL" dirty="0" err="1" smtClean="0"/>
-              <a:t>Bases</a:t>
-            </a:r>
-            <a:r>
-              <a:rPr lang="pl-PL" dirty="0" smtClean="0"/>
-              <a:t> on </a:t>
-            </a:r>
-            <a:r>
-              <a:rPr lang="pl-PL" dirty="0" err="1" smtClean="0"/>
-              <a:t>real</a:t>
-            </a:r>
-            <a:r>
-              <a:rPr lang="pl-PL" dirty="0" smtClean="0"/>
-              <a:t> map of </a:t>
-            </a:r>
-            <a:r>
-              <a:rPr lang="pl-PL" dirty="0" err="1" smtClean="0"/>
-              <a:t>real</a:t>
-            </a:r>
-            <a:r>
-              <a:rPr lang="pl-PL" dirty="0" smtClean="0"/>
-              <a:t> </a:t>
-            </a:r>
-            <a:r>
-              <a:rPr lang="pl-PL" dirty="0" err="1" smtClean="0"/>
-              <a:t>world</a:t>
-            </a:r>
-            <a:r>
-              <a:rPr lang="pl-PL" dirty="0" smtClean="0"/>
-              <a:t> </a:t>
-            </a:r>
-            <a:r>
-              <a:rPr lang="pl-PL" dirty="0" err="1" smtClean="0"/>
-              <a:t>around</a:t>
-            </a:r>
-            <a:r>
-              <a:rPr lang="pl-PL" dirty="0" smtClean="0"/>
-              <a:t> </a:t>
-            </a:r>
-            <a:r>
-              <a:rPr lang="pl-PL" dirty="0" err="1" smtClean="0"/>
-              <a:t>the</a:t>
-            </a:r>
-            <a:r>
-              <a:rPr lang="pl-PL" dirty="0" smtClean="0"/>
-              <a:t> player</a:t>
-            </a:r>
-          </a:p>
-          <a:p>
-            <a:r>
-              <a:rPr lang="pl-PL" dirty="0" err="1" smtClean="0"/>
-              <a:t>Two</a:t>
-            </a:r>
-            <a:r>
-              <a:rPr lang="pl-PL" dirty="0" smtClean="0"/>
-              <a:t> </a:t>
-            </a:r>
-            <a:r>
-              <a:rPr lang="pl-PL" dirty="0" err="1" smtClean="0"/>
-              <a:t>versions</a:t>
-            </a:r>
-            <a:r>
-              <a:rPr lang="pl-PL" dirty="0" smtClean="0"/>
-              <a:t>: for </a:t>
-            </a:r>
-            <a:r>
-              <a:rPr lang="pl-PL" dirty="0" err="1" smtClean="0"/>
-              <a:t>smartfons</a:t>
-            </a:r>
-            <a:r>
-              <a:rPr lang="pl-PL" dirty="0" smtClean="0"/>
-              <a:t> and for </a:t>
-            </a:r>
-            <a:r>
-              <a:rPr lang="pl-PL" dirty="0" err="1" smtClean="0"/>
-              <a:t>computers</a:t>
-            </a:r>
-            <a:r>
-              <a:rPr lang="pl-PL" dirty="0" smtClean="0"/>
-              <a:t>/</a:t>
-            </a:r>
-            <a:r>
-              <a:rPr lang="pl-PL" dirty="0" err="1" smtClean="0"/>
-              <a:t>tablets</a:t>
-            </a:r>
-            <a:endParaRPr lang="pl-PL" dirty="0" smtClean="0"/>
-          </a:p>
-          <a:p>
+              <a:rPr lang="de-DE" smtClean="0"/>
+              <a:t>browser</a:t>
+            </a:r>
+            <a:r>
+              <a:rPr lang="pl-PL" smtClean="0"/>
+              <a:t> game</a:t>
+            </a:r>
+            <a:endParaRPr lang="de-DE" dirty="0" smtClean="0"/>
+          </a:p>
+          <a:p>
+            <a:r>
+              <a:rPr lang="de-DE" smtClean="0"/>
+              <a:t>Utilization of Google Maps to display the game world</a:t>
+            </a:r>
+          </a:p>
+          <a:p>
+            <a:r>
+              <a:rPr lang="de-DE" smtClean="0"/>
+              <a:t>Optimized for Desktop-PCs and Smartphones/Tablets</a:t>
+            </a:r>
             <a:endParaRPr lang="pl-PL" dirty="0" smtClean="0"/>
           </a:p>
           <a:p>
@@ -2965,7 +3215,6 @@
               <a:rPr lang="de-DE" dirty="0" smtClean="0"/>
               <a:t>.11.2012</a:t>
             </a:r>
-            <a:endParaRPr lang="de-DE" dirty="0" smtClean="0"/>
           </a:p>
         </p:txBody>
       </p:sp>
@@ -3038,14 +3287,14 @@
           </a:ln>
           <a:extLst>
             <a:ext uri="{909E8E84-426E-40DD-AFC4-6F175D3DCCD1}">
-              <a14:hiddenFill xmlns="" xmlns:a14="http://schemas.microsoft.com/office/drawing/2010/main">
+              <a14:hiddenFill xmlns:a14="http://schemas.microsoft.com/office/drawing/2010/main" xmlns="">
                 <a:solidFill>
                   <a:srgbClr val="FFFFFF"/>
                 </a:solidFill>
               </a14:hiddenFill>
             </a:ext>
             <a:ext uri="{91240B29-F687-4F45-9708-019B960494DF}">
-              <a14:hiddenLine xmlns="" xmlns:a14="http://schemas.microsoft.com/office/drawing/2010/main" w="9525">
+              <a14:hiddenLine xmlns:a14="http://schemas.microsoft.com/office/drawing/2010/main" xmlns="" w="9525">
                 <a:solidFill>
                   <a:srgbClr val="000000"/>
                 </a:solidFill>
@@ -3063,6 +3312,72 @@
             </a:prstTxWarp>
           </a:bodyPr>
           <a:lstStyle/>
+          <a:p>
+            <a:pPr marL="342900" marR="0" lvl="0" indent="-342900" algn="l" defTabSz="914400" rtl="0" eaLnBrk="1" fontAlgn="base" latinLnBrk="0" hangingPunct="1">
+              <a:lnSpc>
+                <a:spcPct val="100000"/>
+              </a:lnSpc>
+              <a:spcBef>
+                <a:spcPct val="20000"/>
+              </a:spcBef>
+              <a:spcAft>
+                <a:spcPct val="0"/>
+              </a:spcAft>
+              <a:buClrTx/>
+              <a:buSzTx/>
+              <a:buFont typeface="Arial" pitchFamily="34" charset="0"/>
+              <a:buChar char="•"/>
+              <a:tabLst/>
+              <a:defRPr/>
+            </a:pPr>
+            <a:r>
+              <a:rPr lang="de-DE" sz="2400" kern="0" smtClean="0">
+                <a:ea typeface="ＭＳ Ｐゴシック" pitchFamily="-65" charset="-128"/>
+                <a:cs typeface="ＭＳ Ｐゴシック" pitchFamily="18" charset="-128"/>
+              </a:rPr>
+              <a:t>Creation of an augmented reality overlay</a:t>
+            </a:r>
+            <a:endParaRPr lang="de-DE" sz="2400" kern="0" smtClean="0">
+              <a:ea typeface="ＭＳ Ｐゴシック" pitchFamily="-65" charset="-128"/>
+              <a:cs typeface="ＭＳ Ｐゴシック" pitchFamily="18" charset="-128"/>
+            </a:endParaRPr>
+          </a:p>
+          <a:p>
+            <a:pPr marL="342900" marR="0" lvl="0" indent="-342900" algn="l" defTabSz="914400" rtl="0" eaLnBrk="1" fontAlgn="base" latinLnBrk="0" hangingPunct="1">
+              <a:lnSpc>
+                <a:spcPct val="100000"/>
+              </a:lnSpc>
+              <a:spcBef>
+                <a:spcPct val="20000"/>
+              </a:spcBef>
+              <a:spcAft>
+                <a:spcPct val="0"/>
+              </a:spcAft>
+              <a:buClrTx/>
+              <a:buSzTx/>
+              <a:buFont typeface="Arial" pitchFamily="34" charset="0"/>
+              <a:buChar char="•"/>
+              <a:tabLst/>
+              <a:defRPr/>
+            </a:pPr>
+            <a:r>
+              <a:rPr kumimoji="0" lang="de-DE" sz="2400" b="0" i="0" u="none" strike="noStrike" kern="0" cap="none" spc="0" normalizeH="0" noProof="0" smtClean="0">
+                <a:ln>
+                  <a:noFill/>
+                </a:ln>
+                <a:solidFill>
+                  <a:schemeClr val="tx1"/>
+                </a:solidFill>
+                <a:effectLst/>
+                <a:uLnTx/>
+                <a:uFillTx/>
+                <a:latin typeface="+mn-lt"/>
+                <a:ea typeface="ＭＳ Ｐゴシック" pitchFamily="-65" charset="-128"/>
+                <a:cs typeface="ＭＳ Ｐゴシック" pitchFamily="18" charset="-128"/>
+              </a:rPr>
+              <a:t>Players have to meet at real life places to progress in the game</a:t>
+            </a:r>
+          </a:p>
           <a:p>
             <a:pPr marL="342900" marR="0" lvl="0" indent="-342900" algn="l" defTabSz="914400" rtl="0" eaLnBrk="1" fontAlgn="base" latinLnBrk="0" hangingPunct="1">
               <a:lnSpc>
@@ -3081,125 +3396,6 @@
               <a:tabLst/>
               <a:defRPr/>
             </a:pPr>
-            <a:r>
-              <a:rPr kumimoji="0" lang="pl-PL" sz="2400" b="0" i="0" u="none" strike="noStrike" kern="0" cap="none" spc="0" normalizeH="0" baseline="0" noProof="0" dirty="0" err="1" smtClean="0">
-                <a:ln>
-                  <a:noFill/>
-                </a:ln>
-                <a:solidFill>
-                  <a:schemeClr val="tx1"/>
-                </a:solidFill>
-                <a:effectLst/>
-                <a:uLnTx/>
-                <a:uFillTx/>
-                <a:latin typeface="+mn-lt"/>
-                <a:ea typeface="ＭＳ Ｐゴシック" pitchFamily="-65" charset="-128"/>
-                <a:cs typeface="ＭＳ Ｐゴシック" pitchFamily="18" charset="-128"/>
-              </a:rPr>
-              <a:t>Mixing</a:t>
-            </a:r>
-            <a:r>
-              <a:rPr kumimoji="0" lang="pl-PL" sz="2400" b="0" i="0" u="none" strike="noStrike" kern="0" cap="none" spc="0" normalizeH="0" noProof="0" dirty="0" smtClean="0">
-                <a:ln>
-                  <a:noFill/>
-                </a:ln>
-                <a:solidFill>
-                  <a:schemeClr val="tx1"/>
-                </a:solidFill>
-                <a:effectLst/>
-                <a:uLnTx/>
-                <a:uFillTx/>
-                <a:latin typeface="+mn-lt"/>
-                <a:ea typeface="ＭＳ Ｐゴシック" pitchFamily="-65" charset="-128"/>
-                <a:cs typeface="ＭＳ Ｐゴシック" pitchFamily="18" charset="-128"/>
-              </a:rPr>
-              <a:t> </a:t>
-            </a:r>
-            <a:r>
-              <a:rPr kumimoji="0" lang="pl-PL" sz="2400" b="0" i="0" u="none" strike="noStrike" kern="0" cap="none" spc="0" normalizeH="0" noProof="0" dirty="0" err="1" smtClean="0">
-                <a:ln>
-                  <a:noFill/>
-                </a:ln>
-                <a:solidFill>
-                  <a:schemeClr val="tx1"/>
-                </a:solidFill>
-                <a:effectLst/>
-                <a:uLnTx/>
-                <a:uFillTx/>
-                <a:latin typeface="+mn-lt"/>
-                <a:ea typeface="ＭＳ Ｐゴシック" pitchFamily="-65" charset="-128"/>
-                <a:cs typeface="ＭＳ Ｐゴシック" pitchFamily="18" charset="-128"/>
-              </a:rPr>
-              <a:t>real</a:t>
-            </a:r>
-            <a:r>
-              <a:rPr kumimoji="0" lang="pl-PL" sz="2400" b="0" i="0" u="none" strike="noStrike" kern="0" cap="none" spc="0" normalizeH="0" noProof="0" dirty="0" smtClean="0">
-                <a:ln>
-                  <a:noFill/>
-                </a:ln>
-                <a:solidFill>
-                  <a:schemeClr val="tx1"/>
-                </a:solidFill>
-                <a:effectLst/>
-                <a:uLnTx/>
-                <a:uFillTx/>
-                <a:latin typeface="+mn-lt"/>
-                <a:ea typeface="ＭＳ Ｐゴシック" pitchFamily="-65" charset="-128"/>
-                <a:cs typeface="ＭＳ Ｐゴシック" pitchFamily="18" charset="-128"/>
-              </a:rPr>
-              <a:t> life </a:t>
-            </a:r>
-            <a:r>
-              <a:rPr kumimoji="0" lang="pl-PL" sz="2400" b="0" i="0" u="none" strike="noStrike" kern="0" cap="none" spc="0" normalizeH="0" noProof="0" dirty="0" err="1" smtClean="0">
-                <a:ln>
-                  <a:noFill/>
-                </a:ln>
-                <a:solidFill>
-                  <a:schemeClr val="tx1"/>
-                </a:solidFill>
-                <a:effectLst/>
-                <a:uLnTx/>
-                <a:uFillTx/>
-                <a:latin typeface="+mn-lt"/>
-                <a:ea typeface="ＭＳ Ｐゴシック" pitchFamily="-65" charset="-128"/>
-                <a:cs typeface="ＭＳ Ｐゴシック" pitchFamily="18" charset="-128"/>
-              </a:rPr>
-              <a:t>with</a:t>
-            </a:r>
-            <a:r>
-              <a:rPr kumimoji="0" lang="pl-PL" sz="2400" b="0" i="0" u="none" strike="noStrike" kern="0" cap="none" spc="0" normalizeH="0" noProof="0" dirty="0" smtClean="0">
-                <a:ln>
-                  <a:noFill/>
-                </a:ln>
-                <a:solidFill>
-                  <a:schemeClr val="tx1"/>
-                </a:solidFill>
-                <a:effectLst/>
-                <a:uLnTx/>
-                <a:uFillTx/>
-                <a:latin typeface="+mn-lt"/>
-                <a:ea typeface="ＭＳ Ｐゴシック" pitchFamily="-65" charset="-128"/>
-                <a:cs typeface="ＭＳ Ｐゴシック" pitchFamily="18" charset="-128"/>
-              </a:rPr>
-              <a:t> </a:t>
-            </a:r>
-            <a:r>
-              <a:rPr kumimoji="0" lang="pl-PL" sz="2400" b="0" i="0" u="none" strike="noStrike" kern="0" cap="none" spc="0" normalizeH="0" noProof="0" dirty="0" err="1" smtClean="0">
-                <a:ln>
-                  <a:noFill/>
-                </a:ln>
-                <a:solidFill>
-                  <a:schemeClr val="tx1"/>
-                </a:solidFill>
-                <a:effectLst/>
-                <a:uLnTx/>
-                <a:uFillTx/>
-                <a:latin typeface="+mn-lt"/>
-                <a:ea typeface="ＭＳ Ｐゴシック" pitchFamily="-65" charset="-128"/>
-                <a:cs typeface="ＭＳ Ｐゴシック" pitchFamily="18" charset="-128"/>
-              </a:rPr>
-              <a:t>game</a:t>
-            </a:r>
             <a:endParaRPr kumimoji="0" lang="pl-PL" sz="2400" b="0" i="0" u="none" strike="noStrike" kern="0" cap="none" spc="0" normalizeH="0" noProof="0" dirty="0" smtClean="0">
               <a:ln>
                 <a:noFill/>
@@ -3215,186 +3411,6 @@
               <a:cs typeface="ＭＳ Ｐゴシック" pitchFamily="18" charset="-128"/>
             </a:endParaRPr>
           </a:p>
-          <a:p>
-            <a:pPr marL="342900" marR="0" lvl="0" indent="-342900" algn="l" defTabSz="914400" rtl="0" eaLnBrk="1" fontAlgn="base" latinLnBrk="0" hangingPunct="1">
-              <a:lnSpc>
-                <a:spcPct val="100000"/>
-              </a:lnSpc>
-              <a:spcBef>
-                <a:spcPct val="20000"/>
-              </a:spcBef>
-              <a:spcAft>
-                <a:spcPct val="0"/>
-              </a:spcAft>
-              <a:buClrTx/>
-              <a:buSzTx/>
-              <a:buFontTx/>
-              <a:buChar char="•"/>
-              <a:tabLst/>
-              <a:defRPr/>
-            </a:pPr>
-            <a:r>
-              <a:rPr lang="pl-PL" sz="2400" kern="0" baseline="0" dirty="0" err="1" smtClean="0">
-                <a:ea typeface="ＭＳ Ｐゴシック" pitchFamily="-65" charset="-128"/>
-                <a:cs typeface="ＭＳ Ｐゴシック" pitchFamily="18" charset="-128"/>
-              </a:rPr>
-              <a:t>Players</a:t>
-            </a:r>
-            <a:r>
-              <a:rPr lang="pl-PL" sz="2400" kern="0" dirty="0" smtClean="0">
-                <a:ea typeface="ＭＳ Ｐゴシック" pitchFamily="-65" charset="-128"/>
-                <a:cs typeface="ＭＳ Ｐゴシック" pitchFamily="18" charset="-128"/>
-              </a:rPr>
-              <a:t> </a:t>
-            </a:r>
-            <a:r>
-              <a:rPr lang="pl-PL" sz="2400" kern="0" dirty="0" err="1" smtClean="0">
-                <a:ea typeface="ＭＳ Ｐゴシック" pitchFamily="-65" charset="-128"/>
-                <a:cs typeface="ＭＳ Ｐゴシック" pitchFamily="18" charset="-128"/>
-              </a:rPr>
-              <a:t>must</a:t>
-            </a:r>
-            <a:r>
-              <a:rPr lang="pl-PL" sz="2400" kern="0" dirty="0" smtClean="0">
-                <a:ea typeface="ＭＳ Ｐゴシック" pitchFamily="-65" charset="-128"/>
-                <a:cs typeface="ＭＳ Ｐゴシック" pitchFamily="18" charset="-128"/>
-              </a:rPr>
-              <a:t> </a:t>
-            </a:r>
-            <a:r>
-              <a:rPr lang="pl-PL" sz="2400" kern="0" dirty="0" err="1" smtClean="0">
-                <a:ea typeface="ＭＳ Ｐゴシック" pitchFamily="-65" charset="-128"/>
-                <a:cs typeface="ＭＳ Ｐゴシック" pitchFamily="18" charset="-128"/>
-              </a:rPr>
-              <a:t>really</a:t>
-            </a:r>
-            <a:r>
-              <a:rPr lang="pl-PL" sz="2400" kern="0" dirty="0" smtClean="0">
-                <a:ea typeface="ＭＳ Ｐゴシック" pitchFamily="-65" charset="-128"/>
-                <a:cs typeface="ＭＳ Ｐゴシック" pitchFamily="18" charset="-128"/>
-              </a:rPr>
-              <a:t> </a:t>
-            </a:r>
-            <a:r>
-              <a:rPr lang="pl-PL" sz="2400" kern="0" dirty="0" err="1" smtClean="0">
-                <a:ea typeface="ＭＳ Ｐゴシック" pitchFamily="-65" charset="-128"/>
-                <a:cs typeface="ＭＳ Ｐゴシック" pitchFamily="18" charset="-128"/>
-              </a:rPr>
-              <a:t>move</a:t>
-            </a:r>
-            <a:r>
-              <a:rPr lang="pl-PL" sz="2400" kern="0" dirty="0" smtClean="0">
-                <a:ea typeface="ＭＳ Ｐゴシック" pitchFamily="-65" charset="-128"/>
-                <a:cs typeface="ＭＳ Ｐゴシック" pitchFamily="18" charset="-128"/>
-              </a:rPr>
-              <a:t> </a:t>
-            </a:r>
-            <a:r>
-              <a:rPr lang="pl-PL" sz="2400" kern="0" dirty="0" err="1" smtClean="0">
-                <a:ea typeface="ＭＳ Ｐゴシック" pitchFamily="-65" charset="-128"/>
-                <a:cs typeface="ＭＳ Ｐゴシック" pitchFamily="18" charset="-128"/>
-              </a:rPr>
-              <a:t>in</a:t>
-            </a:r>
-            <a:r>
-              <a:rPr lang="pl-PL" sz="2400" kern="0" dirty="0" smtClean="0">
-                <a:ea typeface="ＭＳ Ｐゴシック" pitchFamily="-65" charset="-128"/>
-                <a:cs typeface="ＭＳ Ｐゴシック" pitchFamily="18" charset="-128"/>
-              </a:rPr>
-              <a:t> </a:t>
-            </a:r>
-            <a:r>
-              <a:rPr lang="pl-PL" sz="2400" kern="0" dirty="0" err="1" smtClean="0">
-                <a:ea typeface="ＭＳ Ｐゴシック" pitchFamily="-65" charset="-128"/>
-                <a:cs typeface="ＭＳ Ｐゴシック" pitchFamily="18" charset="-128"/>
-              </a:rPr>
-              <a:t>real</a:t>
-            </a:r>
-            <a:r>
-              <a:rPr lang="pl-PL" sz="2400" kern="0" dirty="0" smtClean="0">
-                <a:ea typeface="ＭＳ Ｐゴシック" pitchFamily="-65" charset="-128"/>
-                <a:cs typeface="ＭＳ Ｐゴシック" pitchFamily="18" charset="-128"/>
-              </a:rPr>
-              <a:t> </a:t>
-            </a:r>
-            <a:r>
-              <a:rPr lang="pl-PL" sz="2400" kern="0" dirty="0" err="1" smtClean="0">
-                <a:ea typeface="ＭＳ Ｐゴシック" pitchFamily="-65" charset="-128"/>
-                <a:cs typeface="ＭＳ Ｐゴシック" pitchFamily="18" charset="-128"/>
-              </a:rPr>
-              <a:t>world</a:t>
-            </a:r>
-            <a:r>
-              <a:rPr lang="pl-PL" sz="2400" kern="0" dirty="0" smtClean="0">
-                <a:ea typeface="ＭＳ Ｐゴシック" pitchFamily="-65" charset="-128"/>
-                <a:cs typeface="ＭＳ Ｐゴシック" pitchFamily="18" charset="-128"/>
-              </a:rPr>
-              <a:t> to </a:t>
-            </a:r>
-            <a:r>
-              <a:rPr lang="pl-PL" sz="2400" kern="0" dirty="0" err="1" smtClean="0">
-                <a:ea typeface="ＭＳ Ｐゴシック" pitchFamily="-65" charset="-128"/>
-                <a:cs typeface="ＭＳ Ｐゴシック" pitchFamily="18" charset="-128"/>
-              </a:rPr>
-              <a:t>move</a:t>
-            </a:r>
-            <a:r>
-              <a:rPr lang="pl-PL" sz="2400" kern="0" dirty="0" smtClean="0">
-                <a:ea typeface="ＭＳ Ｐゴシック" pitchFamily="-65" charset="-128"/>
-                <a:cs typeface="ＭＳ Ｐゴシック" pitchFamily="18" charset="-128"/>
-              </a:rPr>
-              <a:t> </a:t>
-            </a:r>
-            <a:r>
-              <a:rPr lang="pl-PL" sz="2400" kern="0" dirty="0" err="1" smtClean="0">
-                <a:ea typeface="ＭＳ Ｐゴシック" pitchFamily="-65" charset="-128"/>
-                <a:cs typeface="ＭＳ Ｐゴシック" pitchFamily="18" charset="-128"/>
-              </a:rPr>
-              <a:t>in</a:t>
-            </a:r>
-            <a:r>
-              <a:rPr lang="pl-PL" sz="2400" kern="0" dirty="0" smtClean="0">
-                <a:ea typeface="ＭＳ Ｐゴシック" pitchFamily="-65" charset="-128"/>
-                <a:cs typeface="ＭＳ Ｐゴシック" pitchFamily="18" charset="-128"/>
-              </a:rPr>
-              <a:t> </a:t>
-            </a:r>
-            <a:r>
-              <a:rPr lang="pl-PL" sz="2400" kern="0" dirty="0" err="1" smtClean="0">
-                <a:ea typeface="ＭＳ Ｐゴシック" pitchFamily="-65" charset="-128"/>
-                <a:cs typeface="ＭＳ Ｐゴシック" pitchFamily="18" charset="-128"/>
-              </a:rPr>
-              <a:t>the</a:t>
-            </a:r>
-            <a:r>
-              <a:rPr lang="pl-PL" sz="2400" kern="0" dirty="0" smtClean="0">
-                <a:ea typeface="ＭＳ Ｐゴシック" pitchFamily="-65" charset="-128"/>
-                <a:cs typeface="ＭＳ Ｐゴシック" pitchFamily="18" charset="-128"/>
-              </a:rPr>
-              <a:t> </a:t>
-            </a:r>
-            <a:r>
-              <a:rPr lang="pl-PL" sz="2400" kern="0" dirty="0" err="1" smtClean="0">
-                <a:ea typeface="ＭＳ Ｐゴシック" pitchFamily="-65" charset="-128"/>
-                <a:cs typeface="ＭＳ Ｐゴシック" pitchFamily="18" charset="-128"/>
-              </a:rPr>
-              <a:t>game</a:t>
-            </a:r>
-            <a:endParaRPr kumimoji="0" lang="pl-PL" sz="2400" b="0" i="0" u="none" strike="noStrike" kern="0" cap="none" spc="0" normalizeH="0" baseline="0" noProof="0" dirty="0" smtClean="0">
-              <a:ln>
-                <a:noFill/>
-              </a:ln>
-              <a:solidFill>
-                <a:schemeClr val="tx1"/>
-              </a:solidFill>
-              <a:effectLst/>
-              <a:uLnTx/>
-              <a:uFillTx/>
-              <a:latin typeface="+mn-lt"/>
-              <a:ea typeface="ＭＳ Ｐゴシック" pitchFamily="-65" charset="-128"/>
-              <a:cs typeface="ＭＳ Ｐゴシック" pitchFamily="18" charset="-128"/>
-            </a:endParaRPr>
-          </a:p>
         </p:txBody>
       </p:sp>
       <p:sp>
@@ -3419,14 +3435,14 @@
           </a:ln>
           <a:extLst>
             <a:ext uri="{909E8E84-426E-40DD-AFC4-6F175D3DCCD1}">
-              <a14:hiddenFill xmlns="" xmlns:a14="http://schemas.microsoft.com/office/drawing/2010/main">
+              <a14:hiddenFill xmlns:a14="http://schemas.microsoft.com/office/drawing/2010/main" xmlns="">
                 <a:solidFill>
                   <a:srgbClr val="FFFFFF"/>
                 </a:solidFill>
               </a14:hiddenFill>
             </a:ext>
             <a:ext uri="{91240B29-F687-4F45-9708-019B960494DF}">
-              <a14:hiddenLine xmlns="" xmlns:a14="http://schemas.microsoft.com/office/drawing/2010/main" w="9525">
+              <a14:hiddenLine xmlns:a14="http://schemas.microsoft.com/office/drawing/2010/main" xmlns="" w="9525">
                 <a:solidFill>
                   <a:srgbClr val="000000"/>
                 </a:solidFill>
@@ -3560,164 +3576,79 @@
           <a:lstStyle/>
           <a:p>
             <a:r>
+              <a:rPr lang="pl-PL" err="1" smtClean="0"/>
+              <a:t>Two</a:t>
+            </a:r>
+            <a:r>
+              <a:rPr lang="pl-PL" smtClean="0"/>
+              <a:t> </a:t>
+            </a:r>
+            <a:r>
+              <a:rPr lang="pl-PL" smtClean="0"/>
+              <a:t>factions</a:t>
+            </a:r>
+            <a:r>
+              <a:rPr lang="de-DE" smtClean="0"/>
+              <a:t> struggle for supremacy</a:t>
+            </a:r>
+            <a:endParaRPr lang="pl-PL" dirty="0" smtClean="0"/>
+          </a:p>
+          <a:p>
+            <a:r>
+              <a:rPr lang="de-DE" smtClean="0"/>
+              <a:t>Players assemble into teams</a:t>
+            </a:r>
+          </a:p>
+          <a:p>
+            <a:r>
+              <a:rPr lang="de-DE" smtClean="0"/>
+              <a:t>Players capture buildings available in Google Places</a:t>
+            </a:r>
+            <a:endParaRPr lang="pl-PL" dirty="0" smtClean="0"/>
+          </a:p>
+          <a:p>
+            <a:r>
               <a:rPr lang="pl-PL" dirty="0" err="1" smtClean="0"/>
-              <a:t>Two</a:t>
+              <a:t>Captured</a:t>
             </a:r>
             <a:r>
               <a:rPr lang="pl-PL" dirty="0" smtClean="0"/>
               <a:t> </a:t>
             </a:r>
             <a:r>
-              <a:rPr lang="pl-PL" dirty="0" err="1" smtClean="0"/>
-              <a:t>factions</a:t>
+              <a:rPr lang="pl-PL" err="1" smtClean="0"/>
+              <a:t>buildings</a:t>
+            </a:r>
+            <a:r>
+              <a:rPr lang="pl-PL" smtClean="0"/>
+              <a:t> </a:t>
+            </a:r>
+            <a:r>
+              <a:rPr lang="de-DE" smtClean="0"/>
+              <a:t>yield </a:t>
+            </a:r>
+            <a:r>
+              <a:rPr lang="pl-PL" smtClean="0"/>
+              <a:t>resources</a:t>
             </a:r>
             <a:endParaRPr lang="pl-PL" dirty="0" smtClean="0"/>
           </a:p>
           <a:p>
             <a:r>
-              <a:rPr lang="pl-PL" dirty="0" err="1" smtClean="0"/>
-              <a:t>Players</a:t>
-            </a:r>
-            <a:r>
-              <a:rPr lang="pl-PL" dirty="0" smtClean="0"/>
-              <a:t> </a:t>
-            </a:r>
-            <a:r>
-              <a:rPr lang="pl-PL" dirty="0" err="1" smtClean="0"/>
-              <a:t>build</a:t>
-            </a:r>
-            <a:r>
-              <a:rPr lang="pl-PL" dirty="0" smtClean="0"/>
-              <a:t> </a:t>
-            </a:r>
-            <a:r>
-              <a:rPr lang="pl-PL" dirty="0" err="1" smtClean="0"/>
-              <a:t>teams</a:t>
-            </a:r>
-            <a:r>
-              <a:rPr lang="pl-PL" dirty="0" smtClean="0"/>
-              <a:t> </a:t>
-            </a:r>
-            <a:r>
-              <a:rPr lang="pl-PL" dirty="0" err="1" smtClean="0"/>
-              <a:t>which</a:t>
-            </a:r>
-            <a:r>
-              <a:rPr lang="pl-PL" dirty="0" smtClean="0"/>
-              <a:t> </a:t>
-            </a:r>
-            <a:r>
-              <a:rPr lang="pl-PL" dirty="0" err="1" smtClean="0"/>
-              <a:t>belong</a:t>
-            </a:r>
-            <a:r>
-              <a:rPr lang="pl-PL" dirty="0" smtClean="0"/>
-              <a:t> to one of </a:t>
-            </a:r>
-            <a:r>
-              <a:rPr lang="pl-PL" dirty="0" err="1" smtClean="0"/>
-              <a:t>factions</a:t>
-            </a:r>
-            <a:endParaRPr lang="pl-PL" dirty="0" smtClean="0"/>
-          </a:p>
-          <a:p>
-            <a:r>
-              <a:rPr lang="pl-PL" dirty="0" err="1" smtClean="0"/>
-              <a:t>Captured</a:t>
-            </a:r>
-            <a:r>
-              <a:rPr lang="pl-PL" dirty="0" smtClean="0"/>
-              <a:t> </a:t>
-            </a:r>
-            <a:r>
-              <a:rPr lang="pl-PL" dirty="0" err="1" smtClean="0"/>
-              <a:t>buildings</a:t>
-            </a:r>
-            <a:r>
-              <a:rPr lang="pl-PL" dirty="0" smtClean="0"/>
-              <a:t> </a:t>
-            </a:r>
-            <a:r>
-              <a:rPr lang="pl-PL" dirty="0" err="1" smtClean="0"/>
-              <a:t>generate</a:t>
-            </a:r>
-            <a:r>
-              <a:rPr lang="pl-PL" dirty="0" smtClean="0"/>
-              <a:t> </a:t>
-            </a:r>
-            <a:r>
-              <a:rPr lang="pl-PL" dirty="0" smtClean="0"/>
-              <a:t>resources</a:t>
-            </a:r>
-          </a:p>
-          <a:p>
-            <a:r>
-              <a:rPr lang="pl-PL" dirty="0" err="1" smtClean="0"/>
-              <a:t>Players</a:t>
-            </a:r>
-            <a:r>
-              <a:rPr lang="pl-PL" dirty="0" smtClean="0"/>
-              <a:t> </a:t>
-            </a:r>
-            <a:r>
-              <a:rPr lang="pl-PL" dirty="0" err="1" smtClean="0"/>
-              <a:t>can</a:t>
-            </a:r>
-            <a:r>
-              <a:rPr lang="pl-PL" dirty="0" smtClean="0"/>
-              <a:t> </a:t>
-            </a:r>
-            <a:r>
-              <a:rPr lang="pl-PL" dirty="0" err="1" smtClean="0"/>
-              <a:t>use</a:t>
-            </a:r>
-            <a:r>
-              <a:rPr lang="pl-PL" dirty="0" smtClean="0"/>
-              <a:t> resources to make </a:t>
-            </a:r>
-            <a:r>
-              <a:rPr lang="pl-PL" dirty="0" err="1" smtClean="0"/>
-              <a:t>new</a:t>
-            </a:r>
-            <a:r>
-              <a:rPr lang="pl-PL" dirty="0" smtClean="0"/>
-              <a:t> </a:t>
-            </a:r>
-            <a:r>
-              <a:rPr lang="pl-PL" dirty="0" err="1" smtClean="0"/>
-              <a:t>virtual</a:t>
-            </a:r>
-            <a:r>
-              <a:rPr lang="pl-PL" dirty="0" smtClean="0"/>
-              <a:t> </a:t>
-            </a:r>
-            <a:r>
-              <a:rPr lang="pl-PL" dirty="0" err="1" smtClean="0"/>
-              <a:t>units</a:t>
-            </a:r>
-            <a:r>
-              <a:rPr lang="pl-PL" dirty="0" smtClean="0"/>
-              <a:t>, </a:t>
-            </a:r>
-            <a:r>
-              <a:rPr lang="pl-PL" dirty="0" err="1" smtClean="0"/>
-              <a:t>improve</a:t>
-            </a:r>
-            <a:r>
-              <a:rPr lang="pl-PL" dirty="0" smtClean="0"/>
-              <a:t> </a:t>
-            </a:r>
-            <a:r>
-              <a:rPr lang="pl-PL" dirty="0" err="1" smtClean="0"/>
-              <a:t>buildings</a:t>
-            </a:r>
-            <a:r>
-              <a:rPr lang="pl-PL" dirty="0" smtClean="0"/>
-              <a:t> and </a:t>
-            </a:r>
-            <a:r>
-              <a:rPr lang="pl-PL" dirty="0" err="1" smtClean="0"/>
-              <a:t>units</a:t>
+              <a:rPr lang="de-DE" smtClean="0"/>
+              <a:t>Resources can be used to build troops or are necessary to capture special places</a:t>
+            </a:r>
+          </a:p>
+          <a:p>
+            <a:r>
+              <a:rPr lang="de-DE" smtClean="0"/>
+              <a:t>Troops aid in capturing or defending places</a:t>
+            </a:r>
+          </a:p>
+          <a:p>
+            <a:r>
+              <a:rPr lang="de-DE" smtClean="0"/>
+              <a:t>The number and type of places hold translate into a score</a:t>
             </a:r>
             <a:endParaRPr lang="pl-PL" dirty="0" smtClean="0"/>
           </a:p>
@@ -3797,32 +3728,6 @@
           </a:p>
         </p:txBody>
       </p:sp>
-      <p:pic>
-        <p:nvPicPr>
-          <p:cNvPr id="4098" name="Picture 2" descr="http://www.clipartillustration.com/royalty-free-image-4331/concept-board-game-clip-art-3d-texture-map-graphic-scrap.jpg"/>
-          <p:cNvPicPr>
-            <a:picLocks noChangeAspect="1" noChangeArrowheads="1"/>
-          </p:cNvPicPr>
-          <p:nvPr/>
-        </p:nvPicPr>
-        <p:blipFill>
-          <a:blip r:embed="rId2" cstate="print"/>
-          <a:srcRect/>
-          <a:stretch>
-            <a:fillRect/>
-          </a:stretch>
-        </p:blipFill>
-        <p:spPr bwMode="auto">
-          <a:xfrm>
-            <a:off x="6357950" y="4000504"/>
-            <a:ext cx="1785920" cy="1785920"/>
-          </a:xfrm>
-          <a:prstGeom prst="rect">
-            <a:avLst/>
-          </a:prstGeom>
-          <a:noFill/>
-        </p:spPr>
-      </p:pic>
     </p:spTree>
   </p:cSld>
   <p:clrMapOvr>
@@ -4012,191 +3917,9 @@
           <a:lstStyle/>
           <a:p>
             <a:r>
-              <a:rPr lang="pl-PL" dirty="0" err="1" smtClean="0"/>
-              <a:t>Use</a:t>
-            </a:r>
-            <a:r>
-              <a:rPr lang="pl-PL" dirty="0" smtClean="0"/>
-              <a:t> </a:t>
-            </a:r>
-            <a:r>
-              <a:rPr lang="pl-PL" dirty="0" err="1" smtClean="0"/>
-              <a:t>cases</a:t>
-            </a:r>
-            <a:endParaRPr lang="pl-PL" dirty="0"/>
-          </a:p>
-        </p:txBody>
-      </p:sp>
-      <p:sp>
-        <p:nvSpPr>
-          <p:cNvPr id="3" name="Symbol zastępczy zawartości 2"/>
-          <p:cNvSpPr>
-            <a:spLocks noGrp="1"/>
-          </p:cNvSpPr>
-          <p:nvPr>
-            <p:ph idx="1"/>
-          </p:nvPr>
-        </p:nvSpPr>
-        <p:spPr/>
-        <p:txBody>
-          <a:bodyPr/>
-          <a:lstStyle/>
-          <a:p>
-            <a:pPr>
-              <a:buNone/>
-            </a:pPr>
-            <a:r>
-              <a:rPr lang="pl-PL" dirty="0" err="1" smtClean="0"/>
-              <a:t>The</a:t>
-            </a:r>
-            <a:r>
-              <a:rPr lang="en-US" dirty="0" smtClean="0"/>
-              <a:t> </a:t>
-            </a:r>
-            <a:r>
-              <a:rPr lang="en-US" dirty="0" smtClean="0"/>
-              <a:t>player can initiate the following use </a:t>
-            </a:r>
-            <a:r>
-              <a:rPr lang="en-US" dirty="0" smtClean="0"/>
-              <a:t>cases:</a:t>
-            </a:r>
-            <a:endParaRPr lang="pl-PL" dirty="0" smtClean="0"/>
-          </a:p>
-          <a:p>
-            <a:r>
-              <a:rPr lang="en-US" dirty="0" smtClean="0"/>
-              <a:t>conduct a conquering </a:t>
-            </a:r>
-            <a:r>
-              <a:rPr lang="en-US" dirty="0" smtClean="0"/>
-              <a:t>attempt</a:t>
-            </a:r>
-            <a:endParaRPr lang="pl-PL" dirty="0" smtClean="0"/>
-          </a:p>
-          <a:p>
-            <a:r>
-              <a:rPr lang="en-US" dirty="0" smtClean="0"/>
-              <a:t>manage </a:t>
-            </a:r>
-            <a:r>
-              <a:rPr lang="en-US" dirty="0" smtClean="0"/>
-              <a:t>units</a:t>
-            </a:r>
-          </a:p>
-          <a:p>
-            <a:r>
-              <a:rPr lang="en-US" dirty="0" smtClean="0"/>
-              <a:t>manage resources</a:t>
-            </a:r>
-          </a:p>
-          <a:p>
-            <a:pPr>
-              <a:buNone/>
-            </a:pPr>
-            <a:endParaRPr lang="pl-PL" dirty="0" smtClean="0"/>
-          </a:p>
-          <a:p>
-            <a:pPr>
-              <a:buNone/>
-            </a:pPr>
-            <a:r>
-              <a:rPr lang="en-US" dirty="0" smtClean="0"/>
-              <a:t>The manager </a:t>
-            </a:r>
-            <a:r>
-              <a:rPr lang="en-US" dirty="0" smtClean="0"/>
-              <a:t>of a team can initiate </a:t>
-            </a:r>
-            <a:r>
-              <a:rPr lang="en-US" dirty="0" err="1" smtClean="0"/>
-              <a:t>th</a:t>
-            </a:r>
-            <a:r>
-              <a:rPr lang="pl-PL" dirty="0" err="1" smtClean="0"/>
-              <a:t>ese</a:t>
-            </a:r>
-            <a:r>
-              <a:rPr lang="en-US" dirty="0" smtClean="0"/>
-              <a:t> </a:t>
-            </a:r>
-            <a:r>
-              <a:rPr lang="en-US" dirty="0" smtClean="0"/>
-              <a:t>use </a:t>
-            </a:r>
-            <a:r>
-              <a:rPr lang="en-US" dirty="0" smtClean="0"/>
-              <a:t>cases:</a:t>
-            </a:r>
-            <a:endParaRPr lang="pl-PL" dirty="0" smtClean="0"/>
-          </a:p>
-          <a:p>
-            <a:r>
-              <a:rPr lang="en-US" dirty="0" smtClean="0"/>
-              <a:t>send </a:t>
-            </a:r>
-            <a:r>
-              <a:rPr lang="en-US" dirty="0" err="1" smtClean="0"/>
-              <a:t>invit</a:t>
-            </a:r>
-            <a:r>
-              <a:rPr lang="pl-PL" dirty="0" err="1" smtClean="0"/>
-              <a:t>ations</a:t>
-            </a:r>
-            <a:r>
-              <a:rPr lang="en-US" dirty="0" smtClean="0"/>
-              <a:t> </a:t>
-            </a:r>
-            <a:r>
-              <a:rPr lang="en-US" dirty="0" smtClean="0"/>
-              <a:t>to other users to join their </a:t>
-            </a:r>
-            <a:r>
-              <a:rPr lang="en-US" dirty="0" smtClean="0"/>
-              <a:t>team</a:t>
-            </a:r>
-            <a:endParaRPr lang="pl-PL" dirty="0" smtClean="0"/>
-          </a:p>
-          <a:p>
-            <a:r>
-              <a:rPr lang="en-US" dirty="0" smtClean="0"/>
-              <a:t>Ban </a:t>
-            </a:r>
-            <a:r>
-              <a:rPr lang="pl-PL" dirty="0" err="1" smtClean="0"/>
-              <a:t>or</a:t>
-            </a:r>
-            <a:r>
-              <a:rPr lang="en-US" dirty="0" smtClean="0"/>
-              <a:t> </a:t>
-            </a:r>
-            <a:r>
-              <a:rPr lang="en-US" dirty="0" smtClean="0"/>
-              <a:t>delete </a:t>
-            </a:r>
-            <a:r>
-              <a:rPr lang="pl-PL" dirty="0" smtClean="0"/>
-              <a:t>a</a:t>
-            </a:r>
-            <a:r>
-              <a:rPr lang="en-US" dirty="0" smtClean="0"/>
-              <a:t> </a:t>
-            </a:r>
-            <a:r>
-              <a:rPr lang="en-US" dirty="0" smtClean="0"/>
-              <a:t>user from a </a:t>
-            </a:r>
-            <a:r>
-              <a:rPr lang="en-US" dirty="0" smtClean="0"/>
-              <a:t>team</a:t>
-            </a:r>
-            <a:r>
-              <a:rPr lang="en-US" dirty="0" smtClean="0"/>
-              <a:t/>
-            </a:r>
-            <a:br>
-              <a:rPr lang="en-US" dirty="0" smtClean="0"/>
-            </a:br>
+              <a:rPr lang="de-DE" smtClean="0"/>
+              <a:t>Use Case – Display stats &amp; scores</a:t>
+            </a:r>
             <a:endParaRPr lang="pl-PL" dirty="0"/>
           </a:p>
         </p:txBody>
@@ -4270,136 +3993,6 @@
               <a:rPr lang="de-DE" smtClean="0"/>
               <a:pPr/>
               <a:t>5</a:t>
-            </a:fld>
-            <a:endParaRPr lang="de-DE" dirty="0"/>
-          </a:p>
-        </p:txBody>
-      </p:sp>
-    </p:spTree>
-  </p:cSld>
-  <p:clrMapOvr>
-    <a:masterClrMapping/>
-  </p:clrMapOvr>
-</p:sld>
-</file>
-
-<file path=ppt/slides/slide6.xml><?xml version="1.0" encoding="utf-8"?>
-<p:sld xmlns:a="http://schemas.openxmlformats.org/drawingml/2006/main" xmlns:r="http://schemas.openxmlformats.org/officeDocument/2006/relationships" xmlns:p="http://schemas.openxmlformats.org/presentationml/2006/main">
-  <p:cSld>
-    <p:spTree>
-      <p:nvGrpSpPr>
-        <p:cNvPr id="1" name=""/>
-        <p:cNvGrpSpPr/>
-        <p:nvPr/>
-      </p:nvGrpSpPr>
-      <p:grpSpPr>
-        <a:xfrm>
-          <a:off x="0" y="0"/>
-          <a:ext cx="0" cy="0"/>
-          <a:chOff x="0" y="0"/>
-          <a:chExt cx="0" cy="0"/>
-        </a:xfrm>
-      </p:grpSpPr>
-      <p:sp>
-        <p:nvSpPr>
-          <p:cNvPr id="2" name="Tytuł 1"/>
-          <p:cNvSpPr>
-            <a:spLocks noGrp="1"/>
-          </p:cNvSpPr>
-          <p:nvPr>
-            <p:ph type="title"/>
-          </p:nvPr>
-        </p:nvSpPr>
-        <p:spPr/>
-        <p:txBody>
-          <a:bodyPr/>
-          <a:lstStyle/>
-          <a:p>
-            <a:r>
-              <a:rPr lang="pl-PL" dirty="0" err="1" smtClean="0"/>
-              <a:t>Mockup</a:t>
-            </a:r>
-            <a:r>
-              <a:rPr lang="pl-PL" dirty="0" smtClean="0"/>
-              <a:t> – computer </a:t>
-            </a:r>
-            <a:r>
-              <a:rPr lang="pl-PL" dirty="0" err="1" smtClean="0"/>
-              <a:t>version</a:t>
-            </a:r>
-            <a:endParaRPr lang="pl-PL" dirty="0"/>
-          </a:p>
-        </p:txBody>
-      </p:sp>
-      <p:sp>
-        <p:nvSpPr>
-          <p:cNvPr id="4" name="Symbol zastępczy daty 3"/>
-          <p:cNvSpPr>
-            <a:spLocks noGrp="1"/>
-          </p:cNvSpPr>
-          <p:nvPr>
-            <p:ph type="dt" sz="half" idx="10"/>
-          </p:nvPr>
-        </p:nvSpPr>
-        <p:spPr/>
-        <p:txBody>
-          <a:bodyPr/>
-          <a:lstStyle/>
-          <a:p>
-            <a:r>
-              <a:rPr lang="pl-PL" dirty="0" smtClean="0"/>
-              <a:t>19</a:t>
-            </a:r>
-            <a:r>
-              <a:rPr lang="de-DE" dirty="0" smtClean="0"/>
-              <a:t>.11.2012</a:t>
-            </a:r>
-            <a:endParaRPr lang="de-DE" dirty="0"/>
-          </a:p>
-        </p:txBody>
-      </p:sp>
-      <p:sp>
-        <p:nvSpPr>
-          <p:cNvPr id="5" name="Symbol zastępczy stopki 4"/>
-          <p:cNvSpPr>
-            <a:spLocks noGrp="1"/>
-          </p:cNvSpPr>
-          <p:nvPr>
-            <p:ph type="ftr" sz="quarter" idx="11"/>
-          </p:nvPr>
-        </p:nvSpPr>
-        <p:spPr/>
-        <p:txBody>
-          <a:bodyPr/>
-          <a:lstStyle/>
-          <a:p>
-            <a:r>
-              <a:rPr lang="de-DE" smtClean="0"/>
-              <a:t>Master Lab Course Web Applications</a:t>
-            </a:r>
-            <a:endParaRPr lang="de-DE" dirty="0"/>
-          </a:p>
-        </p:txBody>
-      </p:sp>
-      <p:sp>
-        <p:nvSpPr>
-          <p:cNvPr id="6" name="Symbol zastępczy numeru slajdu 5"/>
-          <p:cNvSpPr>
-            <a:spLocks noGrp="1"/>
-          </p:cNvSpPr>
-          <p:nvPr>
-            <p:ph type="sldNum" sz="quarter" idx="12"/>
-          </p:nvPr>
-        </p:nvSpPr>
-        <p:spPr/>
-        <p:txBody>
-          <a:bodyPr/>
-          <a:lstStyle/>
-          <a:p>
-            <a:fld id="{121E5A8C-2088-45D2-9D84-10B3EA412A4C}" type="slidenum">
-              <a:rPr lang="de-DE" smtClean="0"/>
-              <a:pPr/>
-              <a:t>6</a:t>
             </a:fld>
             <a:endParaRPr lang="de-DE" dirty="0"/>
           </a:p>
@@ -4434,14 +4027,14 @@
           </a:ln>
           <a:extLst>
             <a:ext uri="{909E8E84-426E-40DD-AFC4-6F175D3DCCD1}">
-              <a14:hiddenFill xmlns="" xmlns:a14="http://schemas.microsoft.com/office/drawing/2010/main">
+              <a14:hiddenFill xmlns:a14="http://schemas.microsoft.com/office/drawing/2010/main" xmlns="">
                 <a:solidFill>
                   <a:srgbClr val="FFFFFF"/>
                 </a:solidFill>
               </a14:hiddenFill>
             </a:ext>
             <a:ext uri="{91240B29-F687-4F45-9708-019B960494DF}">
-              <a14:hiddenLine xmlns="" xmlns:a14="http://schemas.microsoft.com/office/drawing/2010/main" w="9525">
+              <a14:hiddenLine xmlns:a14="http://schemas.microsoft.com/office/drawing/2010/main" xmlns="" w="9525">
                 <a:solidFill>
                   <a:srgbClr val="000000"/>
                 </a:solidFill>
@@ -4451,6 +4044,161 @@
               </a14:hiddenLine>
             </a:ext>
           </a:extLst>
+        </p:spPr>
+      </p:pic>
+    </p:spTree>
+  </p:cSld>
+  <p:clrMapOvr>
+    <a:masterClrMapping/>
+  </p:clrMapOvr>
+</p:sld>
+</file>
+
+<file path=ppt/slides/slide6.xml><?xml version="1.0" encoding="utf-8"?>
+<p:sld xmlns:a="http://schemas.openxmlformats.org/drawingml/2006/main" xmlns:r="http://schemas.openxmlformats.org/officeDocument/2006/relationships" xmlns:p="http://schemas.openxmlformats.org/presentationml/2006/main">
+  <p:cSld>
+    <p:spTree>
+      <p:nvGrpSpPr>
+        <p:cNvPr id="1" name=""/>
+        <p:cNvGrpSpPr/>
+        <p:nvPr/>
+      </p:nvGrpSpPr>
+      <p:grpSpPr>
+        <a:xfrm>
+          <a:off x="0" y="0"/>
+          <a:ext cx="0" cy="0"/>
+          <a:chOff x="0" y="0"/>
+          <a:chExt cx="0" cy="0"/>
+        </a:xfrm>
+      </p:grpSpPr>
+      <p:sp>
+        <p:nvSpPr>
+          <p:cNvPr id="2" name="Tytuł 1"/>
+          <p:cNvSpPr>
+            <a:spLocks noGrp="1"/>
+          </p:cNvSpPr>
+          <p:nvPr>
+            <p:ph type="title"/>
+          </p:nvPr>
+        </p:nvSpPr>
+        <p:spPr>
+          <a:xfrm>
+            <a:off x="508000" y="914400"/>
+            <a:ext cx="7993090" cy="585774"/>
+          </a:xfrm>
+        </p:spPr>
+        <p:txBody>
+          <a:bodyPr/>
+          <a:lstStyle/>
+          <a:p>
+            <a:r>
+              <a:rPr lang="de-DE" smtClean="0"/>
+              <a:t>Use Case – Initiate conquering attempt</a:t>
+            </a:r>
+            <a:endParaRPr lang="pl-PL" dirty="0"/>
+          </a:p>
+        </p:txBody>
+      </p:sp>
+      <p:sp>
+        <p:nvSpPr>
+          <p:cNvPr id="4" name="Symbol zastępczy daty 3"/>
+          <p:cNvSpPr>
+            <a:spLocks noGrp="1"/>
+          </p:cNvSpPr>
+          <p:nvPr>
+            <p:ph type="dt" sz="half" idx="10"/>
+          </p:nvPr>
+        </p:nvSpPr>
+        <p:spPr/>
+        <p:txBody>
+          <a:bodyPr/>
+          <a:lstStyle/>
+          <a:p>
+            <a:r>
+              <a:rPr lang="pl-PL" dirty="0" smtClean="0"/>
+              <a:t>19</a:t>
+            </a:r>
+            <a:r>
+              <a:rPr lang="de-DE" dirty="0" smtClean="0"/>
+              <a:t>.11.2012</a:t>
+            </a:r>
+            <a:endParaRPr lang="de-DE" dirty="0"/>
+          </a:p>
+        </p:txBody>
+      </p:sp>
+      <p:sp>
+        <p:nvSpPr>
+          <p:cNvPr id="5" name="Symbol zastępczy stopki 4"/>
+          <p:cNvSpPr>
+            <a:spLocks noGrp="1"/>
+          </p:cNvSpPr>
+          <p:nvPr>
+            <p:ph type="ftr" sz="quarter" idx="11"/>
+          </p:nvPr>
+        </p:nvSpPr>
+        <p:spPr/>
+        <p:txBody>
+          <a:bodyPr/>
+          <a:lstStyle/>
+          <a:p>
+            <a:r>
+              <a:rPr lang="de-DE" smtClean="0"/>
+              <a:t>Master Lab Course Web Applications</a:t>
+            </a:r>
+            <a:endParaRPr lang="de-DE" dirty="0"/>
+          </a:p>
+        </p:txBody>
+      </p:sp>
+      <p:sp>
+        <p:nvSpPr>
+          <p:cNvPr id="6" name="Symbol zastępczy numeru slajdu 5"/>
+          <p:cNvSpPr>
+            <a:spLocks noGrp="1"/>
+          </p:cNvSpPr>
+          <p:nvPr>
+            <p:ph type="sldNum" sz="quarter" idx="12"/>
+          </p:nvPr>
+        </p:nvSpPr>
+        <p:spPr/>
+        <p:txBody>
+          <a:bodyPr/>
+          <a:lstStyle/>
+          <a:p>
+            <a:fld id="{121E5A8C-2088-45D2-9D84-10B3EA412A4C}" type="slidenum">
+              <a:rPr lang="de-DE" smtClean="0"/>
+              <a:pPr/>
+              <a:t>6</a:t>
+            </a:fld>
+            <a:endParaRPr lang="de-DE" dirty="0"/>
+          </a:p>
+        </p:txBody>
+      </p:sp>
+      <p:pic>
+        <p:nvPicPr>
+          <p:cNvPr id="13314" name="Picture 2" descr="C:\Users\Kamil\Desktop\2. Conquer (Mobile).png"/>
+          <p:cNvPicPr>
+            <a:picLocks noGrp="1" noChangeAspect="1" noChangeArrowheads="1"/>
+          </p:cNvPicPr>
+          <p:nvPr>
+            <p:ph idx="1"/>
+          </p:nvPr>
+        </p:nvPicPr>
+        <p:blipFill>
+          <a:blip r:embed="rId2" cstate="print"/>
+          <a:srcRect/>
+          <a:stretch>
+            <a:fillRect/>
+          </a:stretch>
+        </p:blipFill>
+        <p:spPr bwMode="auto">
+          <a:xfrm>
+            <a:off x="3023126" y="1571612"/>
+            <a:ext cx="3097749" cy="4572032"/>
+          </a:xfrm>
+          <a:prstGeom prst="rect">
+            <a:avLst/>
+          </a:prstGeom>
+          <a:noFill/>
         </p:spPr>
       </p:pic>
     </p:spTree>
@@ -4499,24 +4247,8 @@
           <a:lstStyle/>
           <a:p>
             <a:r>
-              <a:rPr lang="pl-PL" dirty="0" err="1" smtClean="0"/>
-              <a:t>Mockup</a:t>
-            </a:r>
-            <a:r>
-              <a:rPr lang="pl-PL" dirty="0" smtClean="0"/>
-              <a:t> – </a:t>
-            </a:r>
-            <a:r>
-              <a:rPr lang="pl-PL" dirty="0" err="1" smtClean="0"/>
-              <a:t>smartphone</a:t>
-            </a:r>
-            <a:r>
-              <a:rPr lang="pl-PL" dirty="0" smtClean="0"/>
-              <a:t> </a:t>
-            </a:r>
-            <a:r>
-              <a:rPr lang="pl-PL" dirty="0" err="1" smtClean="0"/>
-              <a:t>version</a:t>
+              <a:rPr lang="de-DE" smtClean="0"/>
+              <a:t>Use Case – Manage team</a:t>
             </a:r>
             <a:endParaRPr lang="pl-PL" dirty="0"/>
           </a:p>
@@ -4598,13 +4330,11 @@
       </p:sp>
       <p:pic>
         <p:nvPicPr>
-          <p:cNvPr id="13314" name="Picture 2" descr="C:\Users\Kamil\Desktop\2. Conquer (Mobile).png"/>
+          <p:cNvPr id="8" name="Picture 4" descr="C:\Users\Kamil\Desktop\3. Team (Mobile).png"/>
           <p:cNvPicPr>
-            <a:picLocks noGrp="1" noChangeAspect="1" noChangeArrowheads="1"/>
+            <a:picLocks noChangeAspect="1" noChangeArrowheads="1"/>
           </p:cNvPicPr>
-          <p:nvPr>
-            <p:ph idx="1"/>
-          </p:nvPr>
+          <p:nvPr/>
         </p:nvPicPr>
         <p:blipFill>
           <a:blip r:embed="rId2" cstate="print"/>
@@ -4615,33 +4345,7 @@
         </p:blipFill>
         <p:spPr bwMode="auto">
           <a:xfrm>
-            <a:off x="902747" y="1571612"/>
-            <a:ext cx="3097749" cy="4572032"/>
-          </a:xfrm>
-          <a:prstGeom prst="rect">
-            <a:avLst/>
-          </a:prstGeom>
-          <a:noFill/>
-        </p:spPr>
-      </p:pic>
-      <p:pic>
-        <p:nvPicPr>
-          <p:cNvPr id="13316" name="Picture 4" descr="C:\Users\Kamil\Desktop\3. Team (Mobile).png"/>
-          <p:cNvPicPr>
-            <a:picLocks noChangeAspect="1" noChangeArrowheads="1"/>
-          </p:cNvPicPr>
-          <p:nvPr/>
-        </p:nvPicPr>
-        <p:blipFill>
-          <a:blip r:embed="rId3" cstate="print"/>
-          <a:srcRect/>
-          <a:stretch>
-            <a:fillRect/>
-          </a:stretch>
-        </p:blipFill>
-        <p:spPr bwMode="auto">
-          <a:xfrm>
-            <a:off x="5072066" y="1571612"/>
+            <a:off x="3023126" y="1571612"/>
             <a:ext cx="3097749" cy="4572032"/>
           </a:xfrm>
           <a:prstGeom prst="rect">
@@ -4868,14 +4572,14 @@
           </a:ln>
           <a:extLst>
             <a:ext uri="{909E8E84-426E-40DD-AFC4-6F175D3DCCD1}">
-              <a14:hiddenFill xmlns="" xmlns:a14="http://schemas.microsoft.com/office/drawing/2010/main">
+              <a14:hiddenFill xmlns:a14="http://schemas.microsoft.com/office/drawing/2010/main" xmlns="">
                 <a:solidFill>
                   <a:srgbClr val="FFFFFF"/>
                 </a:solidFill>
               </a14:hiddenFill>
             </a:ext>
             <a:ext uri="{91240B29-F687-4F45-9708-019B960494DF}">
-              <a14:hiddenLine xmlns="" xmlns:a14="http://schemas.microsoft.com/office/drawing/2010/main" w="9525">
+              <a14:hiddenLine xmlns:a14="http://schemas.microsoft.com/office/drawing/2010/main" xmlns="" w="9525">
                 <a:solidFill>
                   <a:srgbClr val="000000"/>
                 </a:solidFill>
@@ -5293,12 +4997,12 @@
           <a:lstStyle/>
           <a:p>
             <a:r>
-              <a:rPr lang="pl-PL" dirty="0" err="1" smtClean="0"/>
-              <a:t>Possible</a:t>
+              <a:rPr lang="pl-PL" smtClean="0"/>
+              <a:t>Business </a:t>
             </a:r>
             <a:r>
               <a:rPr lang="pl-PL" dirty="0" smtClean="0"/>
-              <a:t> Business Model</a:t>
+              <a:t>Model</a:t>
             </a:r>
             <a:endParaRPr lang="pl-PL" dirty="0"/>
           </a:p>
@@ -5317,127 +5021,44 @@
         <p:spPr>
           <a:xfrm>
             <a:off x="500034" y="1685924"/>
-            <a:ext cx="8429684" cy="1814514"/>
+            <a:ext cx="8429684" cy="4407372"/>
           </a:xfrm>
         </p:spPr>
         <p:txBody>
-          <a:bodyPr/>
+          <a:bodyPr anchor="ctr"/>
           <a:lstStyle/>
           <a:p>
             <a:pPr>
-              <a:buNone/>
+              <a:lnSpc>
+                <a:spcPct val="200000"/>
+              </a:lnSpc>
             </a:pPr>
             <a:r>
-              <a:rPr lang="pl-PL" sz="2200" b="1" dirty="0" err="1" smtClean="0"/>
-              <a:t>Sources</a:t>
-            </a:r>
-            <a:r>
-              <a:rPr lang="pl-PL" sz="2200" b="1" dirty="0" smtClean="0"/>
-              <a:t> of </a:t>
-            </a:r>
-            <a:r>
-              <a:rPr lang="pl-PL" sz="2200" b="1" dirty="0" err="1" smtClean="0"/>
-              <a:t>income</a:t>
-            </a:r>
-            <a:r>
-              <a:rPr lang="pl-PL" sz="2200" b="1" dirty="0" smtClean="0"/>
-              <a:t>:</a:t>
-            </a:r>
-          </a:p>
-          <a:p>
-            <a:r>
-              <a:rPr lang="en-US" sz="2200" dirty="0" err="1" smtClean="0"/>
+              <a:rPr lang="de-DE" smtClean="0"/>
               <a:t>Advertisments</a:t>
             </a:r>
-            <a:r>
-              <a:rPr lang="en-US" sz="2200" dirty="0" smtClean="0"/>
-              <a:t> </a:t>
-            </a:r>
-            <a:endParaRPr lang="pl-PL" sz="2200" dirty="0" smtClean="0"/>
-          </a:p>
-          <a:p>
-            <a:r>
-              <a:rPr lang="pl-PL" sz="2200" dirty="0" err="1" smtClean="0"/>
-              <a:t>Additional</a:t>
-            </a:r>
-            <a:r>
-              <a:rPr lang="pl-PL" sz="2200" dirty="0" smtClean="0"/>
-              <a:t> services for </a:t>
-            </a:r>
-            <a:r>
-              <a:rPr lang="pl-PL" sz="2200" dirty="0" err="1" smtClean="0"/>
-              <a:t>players</a:t>
-            </a:r>
-            <a:r>
-              <a:rPr lang="pl-PL" sz="2200" dirty="0" smtClean="0"/>
-              <a:t>: </a:t>
-            </a:r>
-            <a:r>
-              <a:rPr lang="pl-PL" dirty="0" smtClean="0"/>
-              <a:t/>
-            </a:r>
-            <a:br>
-              <a:rPr lang="pl-PL" dirty="0" smtClean="0"/>
-            </a:br>
-            <a:r>
-              <a:rPr lang="pl-PL" sz="2000" dirty="0" smtClean="0"/>
-              <a:t>resources, </a:t>
-            </a:r>
-            <a:r>
-              <a:rPr lang="pl-PL" sz="2000" dirty="0" err="1" smtClean="0"/>
-              <a:t>moving</a:t>
-            </a:r>
-            <a:r>
-              <a:rPr lang="pl-PL" sz="2000" dirty="0" smtClean="0"/>
-              <a:t> player </a:t>
-            </a:r>
-            <a:r>
-              <a:rPr lang="pl-PL" sz="2000" dirty="0" err="1" smtClean="0"/>
-              <a:t>account</a:t>
-            </a:r>
-            <a:r>
-              <a:rPr lang="pl-PL" sz="2000" dirty="0" smtClean="0"/>
-              <a:t> to </a:t>
-            </a:r>
-            <a:r>
-              <a:rPr lang="pl-PL" sz="2000" dirty="0" err="1" smtClean="0"/>
-              <a:t>another</a:t>
-            </a:r>
-            <a:r>
-              <a:rPr lang="pl-PL" sz="2000" dirty="0" smtClean="0"/>
-              <a:t> </a:t>
-            </a:r>
-            <a:r>
-              <a:rPr lang="pl-PL" sz="2000" dirty="0" err="1" smtClean="0"/>
-              <a:t>fraction</a:t>
-            </a:r>
-            <a:r>
-              <a:rPr lang="pl-PL" sz="2000" dirty="0" smtClean="0"/>
-              <a:t>, </a:t>
-            </a:r>
-            <a:r>
-              <a:rPr lang="pl-PL" sz="2000" dirty="0" err="1" smtClean="0"/>
-              <a:t>changing</a:t>
-            </a:r>
-            <a:r>
-              <a:rPr lang="pl-PL" sz="2000" dirty="0" smtClean="0"/>
-              <a:t> </a:t>
-            </a:r>
-            <a:r>
-              <a:rPr lang="pl-PL" sz="2000" dirty="0" err="1" smtClean="0"/>
-              <a:t>name</a:t>
-            </a:r>
-            <a:r>
-              <a:rPr lang="pl-PL" sz="2000" dirty="0" smtClean="0"/>
-              <a:t>.</a:t>
-            </a:r>
-            <a:r>
-              <a:rPr lang="en-US" dirty="0" smtClean="0"/>
-              <a:t/>
-            </a:r>
-            <a:br>
-              <a:rPr lang="en-US" dirty="0" smtClean="0"/>
-            </a:br>
+          </a:p>
+          <a:p>
+            <a:pPr>
+              <a:lnSpc>
+                <a:spcPct val="200000"/>
+              </a:lnSpc>
+            </a:pPr>
+            <a:r>
+              <a:rPr lang="de-DE" smtClean="0"/>
+              <a:t>Selling decorative objects</a:t>
+            </a:r>
+          </a:p>
+          <a:p>
+            <a:pPr>
+              <a:lnSpc>
+                <a:spcPct val="200000"/>
+              </a:lnSpc>
+            </a:pPr>
+            <a:r>
+              <a:rPr lang="de-DE" smtClean="0"/>
+              <a:t>Selling organisational services</a:t>
+            </a:r>
             <a:endParaRPr lang="pl-PL" dirty="0"/>
           </a:p>
         </p:txBody>
@@ -5525,458 +5146,6 @@
               <a:t>9</a:t>
             </a:fld>
             <a:endParaRPr lang="de-DE" dirty="0"/>
-          </a:p>
-        </p:txBody>
-      </p:sp>
-      <p:sp>
-        <p:nvSpPr>
-          <p:cNvPr id="7" name="Symbol zastępczy zawartości 2"/>
-          <p:cNvSpPr txBox="1">
-            <a:spLocks/>
-          </p:cNvSpPr>
-          <p:nvPr/>
-        </p:nvSpPr>
-        <p:spPr bwMode="auto">
-          <a:xfrm>
-            <a:off x="500034" y="3571876"/>
-            <a:ext cx="8135966" cy="2214578"/>
-          </a:xfrm>
-          <a:prstGeom prst="rect">
-            <a:avLst/>
-          </a:prstGeom>
-          <a:noFill/>
-          <a:ln>
-            <a:noFill/>
-          </a:ln>
-          <a:extLst>
-            <a:ext uri="{909E8E84-426E-40DD-AFC4-6F175D3DCCD1}">
-              <a14:hiddenFill xmlns="" xmlns:a14="http://schemas.microsoft.com/office/drawing/2010/main">
-                <a:solidFill>
-                  <a:srgbClr val="FFFFFF"/>
-                </a:solidFill>
-              </a14:hiddenFill>
-            </a:ext>
-            <a:ext uri="{91240B29-F687-4F45-9708-019B960494DF}">
-              <a14:hiddenLine xmlns="" xmlns:a14="http://schemas.microsoft.com/office/drawing/2010/main" w="9525">
-                <a:solidFill>
-                  <a:srgbClr val="000000"/>
-                </a:solidFill>
-                <a:miter lim="800000"/>
-                <a:headEnd/>
-                <a:tailEnd/>
-              </a14:hiddenLine>
-            </a:ext>
-          </a:extLst>
-        </p:spPr>
-        <p:txBody>
-          <a:bodyPr vert="horz" wrap="square" lIns="91440" tIns="45720" rIns="91440" bIns="45720" numCol="1" anchor="t" anchorCtr="0" compatLnSpc="1">
-            <a:prstTxWarp prst="textNoShape">
-              <a:avLst/>
-            </a:prstTxWarp>
-          </a:bodyPr>
-          <a:lstStyle/>
-          <a:p>
-            <a:pPr marL="342900" marR="0" lvl="0" indent="-342900" algn="l" defTabSz="914400" rtl="0" eaLnBrk="1" fontAlgn="base" latinLnBrk="0" hangingPunct="1">
-              <a:lnSpc>
-                <a:spcPct val="100000"/>
-              </a:lnSpc>
-              <a:spcBef>
-                <a:spcPct val="20000"/>
-              </a:spcBef>
-              <a:spcAft>
-                <a:spcPct val="0"/>
-              </a:spcAft>
-              <a:buClrTx/>
-              <a:buSzTx/>
-              <a:buFontTx/>
-              <a:buNone/>
-              <a:tabLst/>
-              <a:defRPr/>
-            </a:pPr>
-            <a:r>
-              <a:rPr kumimoji="0" lang="pl-PL" sz="2200" b="1" i="0" u="none" strike="noStrike" kern="0" cap="none" spc="0" normalizeH="0" baseline="0" noProof="0" dirty="0" err="1" smtClean="0">
-                <a:ln>
-                  <a:noFill/>
-                </a:ln>
-                <a:solidFill>
-                  <a:schemeClr val="tx1"/>
-                </a:solidFill>
-                <a:effectLst/>
-                <a:uLnTx/>
-                <a:uFillTx/>
-                <a:latin typeface="+mn-lt"/>
-                <a:ea typeface="ＭＳ Ｐゴシック" pitchFamily="-65" charset="-128"/>
-                <a:cs typeface="ＭＳ Ｐゴシック" pitchFamily="18" charset="-128"/>
-              </a:rPr>
-              <a:t>Competitors</a:t>
-            </a:r>
-            <a:r>
-              <a:rPr kumimoji="0" lang="pl-PL" sz="2200" b="1" i="0" u="none" strike="noStrike" kern="0" cap="none" spc="0" normalizeH="0" baseline="0" noProof="0" dirty="0" smtClean="0">
-                <a:ln>
-                  <a:noFill/>
-                </a:ln>
-                <a:solidFill>
-                  <a:schemeClr val="tx1"/>
-                </a:solidFill>
-                <a:effectLst/>
-                <a:uLnTx/>
-                <a:uFillTx/>
-                <a:latin typeface="+mn-lt"/>
-                <a:ea typeface="ＭＳ Ｐゴシック" pitchFamily="-65" charset="-128"/>
-                <a:cs typeface="ＭＳ Ｐゴシック" pitchFamily="18" charset="-128"/>
-              </a:rPr>
-              <a:t>:</a:t>
-            </a:r>
-          </a:p>
-          <a:p>
-            <a:pPr marL="342900" marR="0" lvl="0" indent="-342900" algn="l" defTabSz="914400" rtl="0" eaLnBrk="1" fontAlgn="base" latinLnBrk="0" hangingPunct="1">
-              <a:lnSpc>
-                <a:spcPct val="100000"/>
-              </a:lnSpc>
-              <a:spcBef>
-                <a:spcPct val="20000"/>
-              </a:spcBef>
-              <a:spcAft>
-                <a:spcPct val="0"/>
-              </a:spcAft>
-              <a:buClrTx/>
-              <a:buSzTx/>
-              <a:buFontTx/>
-              <a:buChar char="•"/>
-              <a:tabLst/>
-              <a:defRPr/>
-            </a:pPr>
-            <a:r>
-              <a:rPr kumimoji="0" lang="pl-PL" sz="2200" b="0" i="0" u="none" strike="noStrike" kern="0" cap="none" spc="0" normalizeH="0" baseline="0" noProof="0" dirty="0" err="1" smtClean="0">
-                <a:ln>
-                  <a:noFill/>
-                </a:ln>
-                <a:solidFill>
-                  <a:schemeClr val="tx1"/>
-                </a:solidFill>
-                <a:effectLst/>
-                <a:uLnTx/>
-                <a:uFillTx/>
-                <a:latin typeface="+mn-lt"/>
-                <a:ea typeface="ＭＳ Ｐゴシック" pitchFamily="-65" charset="-128"/>
-                <a:cs typeface="ＭＳ Ｐゴシック" pitchFamily="18" charset="-128"/>
-              </a:rPr>
-              <a:t>Other</a:t>
-            </a:r>
-            <a:r>
-              <a:rPr kumimoji="0" lang="pl-PL" sz="2200" b="0" i="0" u="none" strike="noStrike" kern="0" cap="none" spc="0" normalizeH="0" baseline="0" noProof="0" dirty="0" smtClean="0">
-                <a:ln>
-                  <a:noFill/>
-                </a:ln>
-                <a:solidFill>
-                  <a:schemeClr val="tx1"/>
-                </a:solidFill>
-                <a:effectLst/>
-                <a:uLnTx/>
-                <a:uFillTx/>
-                <a:latin typeface="+mn-lt"/>
-                <a:ea typeface="ＭＳ Ｐゴシック" pitchFamily="-65" charset="-128"/>
-                <a:cs typeface="ＭＳ Ｐゴシック" pitchFamily="18" charset="-128"/>
-              </a:rPr>
-              <a:t> </a:t>
-            </a:r>
-            <a:r>
-              <a:rPr kumimoji="0" lang="pl-PL" sz="2200" b="0" i="0" u="none" strike="noStrike" kern="0" cap="none" spc="0" normalizeH="0" baseline="0" noProof="0" dirty="0" err="1" smtClean="0">
-                <a:ln>
-                  <a:noFill/>
-                </a:ln>
-                <a:solidFill>
-                  <a:schemeClr val="tx1"/>
-                </a:solidFill>
-                <a:effectLst/>
-                <a:uLnTx/>
-                <a:uFillTx/>
-                <a:latin typeface="+mn-lt"/>
-                <a:ea typeface="ＭＳ Ｐゴシック" pitchFamily="-65" charset="-128"/>
-                <a:cs typeface="ＭＳ Ｐゴシック" pitchFamily="18" charset="-128"/>
-              </a:rPr>
-              <a:t>browser</a:t>
-            </a:r>
-            <a:r>
-              <a:rPr kumimoji="0" lang="pl-PL" sz="2200" b="0" i="0" u="none" strike="noStrike" kern="0" cap="none" spc="0" normalizeH="0" noProof="0" dirty="0" smtClean="0">
-                <a:ln>
-                  <a:noFill/>
-                </a:ln>
-                <a:solidFill>
-                  <a:schemeClr val="tx1"/>
-                </a:solidFill>
-                <a:effectLst/>
-                <a:uLnTx/>
-                <a:uFillTx/>
-                <a:latin typeface="+mn-lt"/>
-                <a:ea typeface="ＭＳ Ｐゴシック" pitchFamily="-65" charset="-128"/>
-                <a:cs typeface="ＭＳ Ｐゴシック" pitchFamily="18" charset="-128"/>
-              </a:rPr>
-              <a:t> and </a:t>
-            </a:r>
-            <a:r>
-              <a:rPr kumimoji="0" lang="pl-PL" sz="2200" b="0" i="0" u="none" strike="noStrike" kern="0" cap="none" spc="0" normalizeH="0" noProof="0" dirty="0" err="1" smtClean="0">
-                <a:ln>
-                  <a:noFill/>
-                </a:ln>
-                <a:solidFill>
-                  <a:schemeClr val="tx1"/>
-                </a:solidFill>
-                <a:effectLst/>
-                <a:uLnTx/>
-                <a:uFillTx/>
-                <a:latin typeface="+mn-lt"/>
-                <a:ea typeface="ＭＳ Ｐゴシック" pitchFamily="-65" charset="-128"/>
-                <a:cs typeface="ＭＳ Ｐゴシック" pitchFamily="18" charset="-128"/>
-              </a:rPr>
-              <a:t>standalone</a:t>
-            </a:r>
-            <a:r>
-              <a:rPr kumimoji="0" lang="pl-PL" sz="2200" b="0" i="0" u="none" strike="noStrike" kern="0" cap="none" spc="0" normalizeH="0" noProof="0" dirty="0" smtClean="0">
-                <a:ln>
-                  <a:noFill/>
-                </a:ln>
-                <a:solidFill>
-                  <a:schemeClr val="tx1"/>
-                </a:solidFill>
-                <a:effectLst/>
-                <a:uLnTx/>
-                <a:uFillTx/>
-                <a:latin typeface="+mn-lt"/>
-                <a:ea typeface="ＭＳ Ｐゴシック" pitchFamily="-65" charset="-128"/>
-                <a:cs typeface="ＭＳ Ｐゴシック" pitchFamily="18" charset="-128"/>
-              </a:rPr>
-              <a:t> </a:t>
-            </a:r>
-            <a:r>
-              <a:rPr kumimoji="0" lang="pl-PL" sz="2200" b="0" i="0" u="none" strike="noStrike" kern="0" cap="none" spc="0" normalizeH="0" noProof="0" dirty="0" err="1" smtClean="0">
-                <a:ln>
-                  <a:noFill/>
-                </a:ln>
-                <a:solidFill>
-                  <a:schemeClr val="tx1"/>
-                </a:solidFill>
-                <a:effectLst/>
-                <a:uLnTx/>
-                <a:uFillTx/>
-                <a:latin typeface="+mn-lt"/>
-                <a:ea typeface="ＭＳ Ｐゴシック" pitchFamily="-65" charset="-128"/>
-                <a:cs typeface="ＭＳ Ｐゴシック" pitchFamily="18" charset="-128"/>
-              </a:rPr>
-              <a:t>multiplayer</a:t>
-            </a:r>
-            <a:r>
-              <a:rPr kumimoji="0" lang="pl-PL" sz="2200" b="0" i="0" u="none" strike="noStrike" kern="0" cap="none" spc="0" normalizeH="0" noProof="0" dirty="0" smtClean="0">
-                <a:ln>
-                  <a:noFill/>
-                </a:ln>
-                <a:solidFill>
-                  <a:schemeClr val="tx1"/>
-                </a:solidFill>
-                <a:effectLst/>
-                <a:uLnTx/>
-                <a:uFillTx/>
-                <a:latin typeface="+mn-lt"/>
-                <a:ea typeface="ＭＳ Ｐゴシック" pitchFamily="-65" charset="-128"/>
-                <a:cs typeface="ＭＳ Ｐゴシック" pitchFamily="18" charset="-128"/>
-              </a:rPr>
-              <a:t> </a:t>
-            </a:r>
-            <a:r>
-              <a:rPr kumimoji="0" lang="pl-PL" sz="2200" b="0" i="0" u="none" strike="noStrike" kern="0" cap="none" spc="0" normalizeH="0" noProof="0" dirty="0" err="1" smtClean="0">
-                <a:ln>
-                  <a:noFill/>
-                </a:ln>
-                <a:solidFill>
-                  <a:schemeClr val="tx1"/>
-                </a:solidFill>
-                <a:effectLst/>
-                <a:uLnTx/>
-                <a:uFillTx/>
-                <a:latin typeface="+mn-lt"/>
-                <a:ea typeface="ＭＳ Ｐゴシック" pitchFamily="-65" charset="-128"/>
-                <a:cs typeface="ＭＳ Ｐゴシック" pitchFamily="18" charset="-128"/>
-              </a:rPr>
-              <a:t>games</a:t>
-            </a:r>
-            <a:r>
-              <a:rPr lang="pl-PL" sz="2200" kern="0" dirty="0" smtClean="0">
-                <a:ea typeface="ＭＳ Ｐゴシック" pitchFamily="-65" charset="-128"/>
-                <a:cs typeface="ＭＳ Ｐゴシック" pitchFamily="18" charset="-128"/>
-              </a:rPr>
-              <a:t>: </a:t>
-            </a:r>
-            <a:br>
-              <a:rPr lang="pl-PL" sz="2200" kern="0" dirty="0" smtClean="0">
-                <a:ea typeface="ＭＳ Ｐゴシック" pitchFamily="-65" charset="-128"/>
-                <a:cs typeface="ＭＳ Ｐゴシック" pitchFamily="18" charset="-128"/>
-              </a:rPr>
-            </a:br>
-            <a:r>
-              <a:rPr lang="pl-PL" sz="2200" kern="0" dirty="0" err="1" smtClean="0">
-                <a:ea typeface="ＭＳ Ｐゴシック" pitchFamily="-65" charset="-128"/>
-                <a:cs typeface="ＭＳ Ｐゴシック" pitchFamily="18" charset="-128"/>
-              </a:rPr>
-              <a:t>OGame</a:t>
-            </a:r>
-            <a:r>
-              <a:rPr lang="pl-PL" sz="2200" kern="0" dirty="0" smtClean="0">
-                <a:ea typeface="ＭＳ Ｐゴシック" pitchFamily="-65" charset="-128"/>
-                <a:cs typeface="ＭＳ Ｐゴシック" pitchFamily="18" charset="-128"/>
-              </a:rPr>
-              <a:t>, </a:t>
-            </a:r>
-            <a:r>
-              <a:rPr lang="pl-PL" sz="2200" kern="0" dirty="0" err="1" smtClean="0">
-                <a:ea typeface="ＭＳ Ｐゴシック" pitchFamily="-65" charset="-128"/>
-                <a:cs typeface="ＭＳ Ｐゴシック" pitchFamily="18" charset="-128"/>
-              </a:rPr>
-              <a:t>Droid</a:t>
-            </a:r>
-            <a:r>
-              <a:rPr lang="pl-PL" sz="2200" kern="0" dirty="0" smtClean="0">
-                <a:ea typeface="ＭＳ Ｐゴシック" pitchFamily="-65" charset="-128"/>
-                <a:cs typeface="ＭＳ Ｐゴシック" pitchFamily="18" charset="-128"/>
-              </a:rPr>
-              <a:t> Wars, </a:t>
-            </a:r>
-            <a:r>
-              <a:rPr lang="pl-PL" sz="2200" kern="0" dirty="0" err="1" smtClean="0">
-                <a:ea typeface="ＭＳ Ｐゴシック" pitchFamily="-65" charset="-128"/>
-                <a:cs typeface="ＭＳ Ｐゴシック" pitchFamily="18" charset="-128"/>
-              </a:rPr>
-              <a:t>K</a:t>
-            </a:r>
-            <a:r>
-              <a:rPr lang="pl-PL" sz="2200" kern="0" dirty="0" err="1" smtClean="0">
-                <a:ea typeface="ＭＳ Ｐゴシック" pitchFamily="-65" charset="-128"/>
-                <a:cs typeface="ＭＳ Ｐゴシック" pitchFamily="18" charset="-128"/>
-              </a:rPr>
-              <a:t>riegs</a:t>
-            </a:r>
-            <a:r>
-              <a:rPr lang="pl-PL" sz="2200" kern="0" dirty="0" smtClean="0">
-                <a:ea typeface="ＭＳ Ｐゴシック" pitchFamily="-65" charset="-128"/>
-                <a:cs typeface="ＭＳ Ｐゴシック" pitchFamily="18" charset="-128"/>
-              </a:rPr>
-              <a:t> </a:t>
-            </a:r>
-            <a:r>
-              <a:rPr lang="pl-PL" sz="2200" kern="0" dirty="0" err="1" smtClean="0">
-                <a:ea typeface="ＭＳ Ｐゴシック" pitchFamily="-65" charset="-128"/>
-                <a:cs typeface="ＭＳ Ｐゴシック" pitchFamily="18" charset="-128"/>
-              </a:rPr>
-              <a:t>Spiel</a:t>
-            </a:r>
-            <a:endParaRPr lang="pl-PL" sz="2200" kern="0" dirty="0" smtClean="0">
-              <a:ea typeface="ＭＳ Ｐゴシック" pitchFamily="-65" charset="-128"/>
-              <a:cs typeface="ＭＳ Ｐゴシック" pitchFamily="18" charset="-128"/>
-            </a:endParaRPr>
-          </a:p>
-          <a:p>
-            <a:pPr marL="342900" lvl="0" indent="-342900" fontAlgn="base">
-              <a:spcBef>
-                <a:spcPct val="20000"/>
-              </a:spcBef>
-              <a:spcAft>
-                <a:spcPct val="0"/>
-              </a:spcAft>
-              <a:buFontTx/>
-              <a:buChar char="•"/>
-            </a:pPr>
-            <a:r>
-              <a:rPr lang="en-US" sz="2200" dirty="0" smtClean="0"/>
-              <a:t>Location based social networks (foursquare, latitude</a:t>
-            </a:r>
-            <a:r>
-              <a:rPr lang="en-US" sz="2200" dirty="0" smtClean="0"/>
-              <a:t>)</a:t>
-            </a:r>
-            <a:endParaRPr lang="pl-PL" sz="2200" dirty="0" smtClean="0"/>
-          </a:p>
-          <a:p>
-            <a:pPr marL="342900" lvl="0" indent="-342900" fontAlgn="base">
-              <a:spcBef>
-                <a:spcPct val="20000"/>
-              </a:spcBef>
-              <a:spcAft>
-                <a:spcPct val="0"/>
-              </a:spcAft>
-              <a:buFontTx/>
-              <a:buChar char="•"/>
-            </a:pPr>
-            <a:r>
-              <a:rPr lang="pl-PL" sz="2200" dirty="0" err="1" smtClean="0"/>
-              <a:t>Ingress</a:t>
-            </a:r>
-            <a:r>
-              <a:rPr lang="pl-PL" sz="2200" dirty="0" smtClean="0"/>
-              <a:t> – </a:t>
-            </a:r>
-            <a:r>
-              <a:rPr lang="pl-PL" sz="2200" dirty="0" err="1" smtClean="0"/>
-              <a:t>the</a:t>
-            </a:r>
-            <a:r>
-              <a:rPr lang="pl-PL" sz="2200" dirty="0" smtClean="0"/>
-              <a:t> </a:t>
-            </a:r>
-            <a:r>
-              <a:rPr lang="pl-PL" sz="2200" dirty="0" err="1" smtClean="0"/>
-              <a:t>direct</a:t>
-            </a:r>
-            <a:r>
-              <a:rPr lang="pl-PL" sz="2200" dirty="0" smtClean="0"/>
-              <a:t> </a:t>
-            </a:r>
-            <a:r>
-              <a:rPr lang="pl-PL" sz="2200" dirty="0" err="1" smtClean="0"/>
-              <a:t>competitor</a:t>
-            </a:r>
-            <a:r>
-              <a:rPr lang="en-US" sz="2400" dirty="0" smtClean="0"/>
-              <a:t/>
-            </a:r>
-            <a:br>
-              <a:rPr lang="en-US" sz="2400" dirty="0" smtClean="0"/>
-            </a:br>
-            <a:endParaRPr lang="pl-PL" sz="2400" kern="0" dirty="0" smtClean="0">
-              <a:ea typeface="ＭＳ Ｐゴシック" pitchFamily="-65" charset="-128"/>
-              <a:cs typeface="ＭＳ Ｐゴシック" pitchFamily="18" charset="-128"/>
-            </a:endParaRPr>
-          </a:p>
-          <a:p>
-            <a:pPr marL="342900" marR="0" lvl="0" indent="-342900" algn="l" defTabSz="914400" rtl="0" eaLnBrk="1" fontAlgn="base" latinLnBrk="0" hangingPunct="1">
-              <a:lnSpc>
-                <a:spcPct val="100000"/>
-              </a:lnSpc>
-              <a:spcBef>
-                <a:spcPct val="20000"/>
-              </a:spcBef>
-              <a:spcAft>
-                <a:spcPct val="0"/>
-              </a:spcAft>
-              <a:buClrTx/>
-              <a:buSzTx/>
-              <a:buFontTx/>
-              <a:buChar char="•"/>
-              <a:tabLst/>
-              <a:defRPr/>
-            </a:pPr>
-            <a:endParaRPr kumimoji="0" lang="pl-PL" sz="2000" b="0" i="0" u="none" strike="noStrike" kern="0" cap="none" spc="0" normalizeH="0" baseline="0" noProof="0" dirty="0">
-              <a:ln>
-                <a:noFill/>
-              </a:ln>
-              <a:solidFill>
-                <a:schemeClr val="tx1"/>
-              </a:solidFill>
-              <a:effectLst/>
-              <a:uLnTx/>
-              <a:uFillTx/>
-              <a:latin typeface="+mn-lt"/>
-              <a:ea typeface="ＭＳ Ｐゴシック" pitchFamily="-65" charset="-128"/>
-              <a:cs typeface="ＭＳ Ｐゴシック" pitchFamily="18" charset="-128"/>
-            </a:endParaRPr>
           </a:p>
         </p:txBody>
       </p:sp>

--- a/docs/group4_project_presentation.pptx
+++ b/docs/group4_project_presentation.pptx
@@ -5,7 +5,7 @@
     <p:sldMasterId id="2147483660" r:id="rId1"/>
   </p:sldMasterIdLst>
   <p:notesMasterIdLst>
-    <p:notesMasterId r:id="rId13"/>
+    <p:notesMasterId r:id="rId14"/>
   </p:notesMasterIdLst>
   <p:sldIdLst>
     <p:sldId id="256" r:id="rId2"/>
@@ -16,9 +16,10 @@
     <p:sldId id="263" r:id="rId7"/>
     <p:sldId id="264" r:id="rId8"/>
     <p:sldId id="259" r:id="rId9"/>
-    <p:sldId id="261" r:id="rId10"/>
-    <p:sldId id="266" r:id="rId11"/>
-    <p:sldId id="267" r:id="rId12"/>
+    <p:sldId id="268" r:id="rId10"/>
+    <p:sldId id="261" r:id="rId11"/>
+    <p:sldId id="266" r:id="rId12"/>
+    <p:sldId id="267" r:id="rId13"/>
   </p:sldIdLst>
   <p:sldSz cx="9144000" cy="6858000" type="screen4x3"/>
   <p:notesSz cx="6858000" cy="9144000"/>
@@ -203,7 +204,7 @@
             <a:fld id="{208B6049-45AF-4855-985C-185012BA219A}" type="datetimeFigureOut">
               <a:rPr lang="de-DE" smtClean="0"/>
               <a:pPr/>
-              <a:t>19.11.2012</a:t>
+              <a:t>19.11.12</a:t>
             </a:fld>
             <a:endParaRPr lang="de-DE"/>
           </a:p>
@@ -372,7 +373,7 @@
     </p:spTree>
     <p:extLst>
       <p:ext uri="{BB962C8B-B14F-4D97-AF65-F5344CB8AC3E}">
-        <p14:creationId xmlns:p14="http://schemas.microsoft.com/office/powerpoint/2010/main" xmlns="" val="1095461984"/>
+        <p14:creationId xmlns:p14="http://schemas.microsoft.com/office/powerpoint/2010/main" val="1095461984"/>
       </p:ext>
     </p:extLst>
   </p:cSld>
@@ -733,7 +734,7 @@
           <a:blip r:embed="rId2" cstate="print">
             <a:extLst>
               <a:ext uri="{28A0092B-C50C-407E-A947-70E740481C1C}">
-                <a14:useLocalDpi xmlns:a14="http://schemas.microsoft.com/office/drawing/2010/main" xmlns="" val="0"/>
+                <a14:useLocalDpi xmlns:a14="http://schemas.microsoft.com/office/drawing/2010/main" val="0"/>
               </a:ext>
             </a:extLst>
           </a:blip>
@@ -755,15 +756,15 @@
             <a:noFill/>
           </a:ln>
           <a:extLst>
-            <a:ext uri="{909E8E84-426E-40DD-AFC4-6F175D3DCCD1}">
-              <a14:hiddenFill xmlns:a14="http://schemas.microsoft.com/office/drawing/2010/main" xmlns="">
+            <a:ext uri="{909E8E84-426E-40dd-AFC4-6F175D3DCCD1}">
+              <a14:hiddenFill xmlns:a14="http://schemas.microsoft.com/office/drawing/2010/main">
                 <a:solidFill>
                   <a:srgbClr val="FFFFFF"/>
                 </a:solidFill>
               </a14:hiddenFill>
             </a:ext>
-            <a:ext uri="{91240B29-F687-4F45-9708-019B960494DF}">
-              <a14:hiddenLine xmlns:a14="http://schemas.microsoft.com/office/drawing/2010/main" xmlns="" w="9525">
+            <a:ext uri="{91240B29-F687-4f45-9708-019B960494DF}">
+              <a14:hiddenLine xmlns:a14="http://schemas.microsoft.com/office/drawing/2010/main" w="9525">
                 <a:solidFill>
                   <a:srgbClr val="000000"/>
                 </a:solidFill>
@@ -888,7 +889,7 @@
     </p:spTree>
     <p:extLst>
       <p:ext uri="{BB962C8B-B14F-4D97-AF65-F5344CB8AC3E}">
-        <p14:creationId xmlns:p14="http://schemas.microsoft.com/office/powerpoint/2010/main" xmlns="" val="364360318"/>
+        <p14:creationId xmlns:p14="http://schemas.microsoft.com/office/powerpoint/2010/main" val="364360318"/>
       </p:ext>
     </p:extLst>
   </p:cSld>
@@ -1101,7 +1102,7 @@
     </p:spTree>
     <p:extLst>
       <p:ext uri="{BB962C8B-B14F-4D97-AF65-F5344CB8AC3E}">
-        <p14:creationId xmlns:p14="http://schemas.microsoft.com/office/powerpoint/2010/main" xmlns="" val="1803307076"/>
+        <p14:creationId xmlns:p14="http://schemas.microsoft.com/office/powerpoint/2010/main" val="1803307076"/>
       </p:ext>
     </p:extLst>
   </p:cSld>
@@ -1428,7 +1429,7 @@
     </p:spTree>
     <p:extLst>
       <p:ext uri="{BB962C8B-B14F-4D97-AF65-F5344CB8AC3E}">
-        <p14:creationId xmlns:p14="http://schemas.microsoft.com/office/powerpoint/2010/main" xmlns="" val="302666195"/>
+        <p14:creationId xmlns:p14="http://schemas.microsoft.com/office/powerpoint/2010/main" val="302666195"/>
       </p:ext>
     </p:extLst>
   </p:cSld>
@@ -1438,7 +1439,7 @@
   <p:timing>
     <p:tnLst>
       <p:par>
-        <p:cTn id="1" dur="indefinite" restart="never" nodeType="tmRoot"/>
+        <p:cTn xmlns:p14="http://schemas.microsoft.com/office/powerpoint/2010/main" id="1" dur="indefinite" restart="never" nodeType="tmRoot"/>
       </p:par>
     </p:tnLst>
   </p:timing>
@@ -1490,15 +1491,15 @@
             <a:noFill/>
           </a:ln>
           <a:extLst>
-            <a:ext uri="{909E8E84-426E-40DD-AFC4-6F175D3DCCD1}">
-              <a14:hiddenFill xmlns:a14="http://schemas.microsoft.com/office/drawing/2010/main" xmlns="">
+            <a:ext uri="{909E8E84-426E-40dd-AFC4-6F175D3DCCD1}">
+              <a14:hiddenFill xmlns:a14="http://schemas.microsoft.com/office/drawing/2010/main">
                 <a:solidFill>
                   <a:srgbClr val="FFFFFF"/>
                 </a:solidFill>
               </a14:hiddenFill>
             </a:ext>
-            <a:ext uri="{91240B29-F687-4F45-9708-019B960494DF}">
-              <a14:hiddenLine xmlns:a14="http://schemas.microsoft.com/office/drawing/2010/main" xmlns="" w="9525">
+            <a:ext uri="{91240B29-F687-4f45-9708-019B960494DF}">
+              <a14:hiddenLine xmlns:a14="http://schemas.microsoft.com/office/drawing/2010/main" w="9525">
                 <a:solidFill>
                   <a:srgbClr val="000000"/>
                 </a:solidFill>
@@ -1548,15 +1549,15 @@
             <a:noFill/>
           </a:ln>
           <a:extLst>
-            <a:ext uri="{909E8E84-426E-40DD-AFC4-6F175D3DCCD1}">
-              <a14:hiddenFill xmlns:a14="http://schemas.microsoft.com/office/drawing/2010/main" xmlns="">
+            <a:ext uri="{909E8E84-426E-40dd-AFC4-6F175D3DCCD1}">
+              <a14:hiddenFill xmlns:a14="http://schemas.microsoft.com/office/drawing/2010/main">
                 <a:solidFill>
                   <a:srgbClr val="FFFFFF"/>
                 </a:solidFill>
               </a14:hiddenFill>
             </a:ext>
-            <a:ext uri="{91240B29-F687-4F45-9708-019B960494DF}">
-              <a14:hiddenLine xmlns:a14="http://schemas.microsoft.com/office/drawing/2010/main" xmlns="" w="9525">
+            <a:ext uri="{91240B29-F687-4f45-9708-019B960494DF}">
+              <a14:hiddenLine xmlns:a14="http://schemas.microsoft.com/office/drawing/2010/main" w="9525">
                 <a:solidFill>
                   <a:srgbClr val="000000"/>
                 </a:solidFill>
@@ -1967,7 +1968,7 @@
           <a:blip r:embed="rId5" cstate="print">
             <a:extLst>
               <a:ext uri="{28A0092B-C50C-407E-A947-70E740481C1C}">
-                <a14:useLocalDpi xmlns:a14="http://schemas.microsoft.com/office/drawing/2010/main" xmlns="" val="0"/>
+                <a14:useLocalDpi xmlns:a14="http://schemas.microsoft.com/office/drawing/2010/main" val="0"/>
               </a:ext>
             </a:extLst>
           </a:blip>
@@ -1989,15 +1990,15 @@
             <a:noFill/>
           </a:ln>
           <a:extLst>
-            <a:ext uri="{909E8E84-426E-40DD-AFC4-6F175D3DCCD1}">
-              <a14:hiddenFill xmlns:a14="http://schemas.microsoft.com/office/drawing/2010/main" xmlns="">
+            <a:ext uri="{909E8E84-426E-40dd-AFC4-6F175D3DCCD1}">
+              <a14:hiddenFill xmlns:a14="http://schemas.microsoft.com/office/drawing/2010/main">
                 <a:solidFill>
                   <a:srgbClr val="FFFFFF"/>
                 </a:solidFill>
               </a14:hiddenFill>
             </a:ext>
-            <a:ext uri="{91240B29-F687-4F45-9708-019B960494DF}">
-              <a14:hiddenLine xmlns:a14="http://schemas.microsoft.com/office/drawing/2010/main" xmlns="" w="9525">
+            <a:ext uri="{91240B29-F687-4f45-9708-019B960494DF}">
+              <a14:hiddenLine xmlns:a14="http://schemas.microsoft.com/office/drawing/2010/main" w="9525">
                 <a:solidFill>
                   <a:srgbClr val="000000"/>
                 </a:solidFill>
@@ -2714,7 +2715,7 @@
     </p:spTree>
     <p:extLst>
       <p:ext uri="{BB962C8B-B14F-4D97-AF65-F5344CB8AC3E}">
-        <p14:creationId xmlns:p14="http://schemas.microsoft.com/office/powerpoint/2010/main" xmlns="" val="2518694071"/>
+        <p14:creationId xmlns:p14="http://schemas.microsoft.com/office/powerpoint/2010/main" val="2518694071"/>
       </p:ext>
     </p:extLst>
   </p:cSld>
@@ -2724,7 +2725,7 @@
   <p:timing>
     <p:tnLst>
       <p:par>
-        <p:cTn id="1" dur="indefinite" restart="never" nodeType="tmRoot"/>
+        <p:cTn xmlns:p14="http://schemas.microsoft.com/office/powerpoint/2010/main" id="1" dur="indefinite" restart="never" nodeType="tmRoot"/>
       </p:par>
     </p:tnLst>
   </p:timing>
@@ -2750,7 +2751,7 @@
       </p:grpSpPr>
       <p:sp>
         <p:nvSpPr>
-          <p:cNvPr id="2" name="Titel 1"/>
+          <p:cNvPr id="2" name="Tytuł 1"/>
           <p:cNvSpPr>
             <a:spLocks noGrp="1"/>
           </p:cNvSpPr>
@@ -2764,16 +2765,20 @@
           <a:lstStyle/>
           <a:p>
             <a:r>
-              <a:rPr lang="de-DE" smtClean="0"/>
-              <a:t>Competitors</a:t>
-            </a:r>
-            <a:endParaRPr lang="de-DE"/>
-          </a:p>
-        </p:txBody>
-      </p:sp>
-      <p:sp>
-        <p:nvSpPr>
-          <p:cNvPr id="3" name="Inhaltsplatzhalter 2"/>
+              <a:rPr lang="pl-PL" smtClean="0"/>
+              <a:t>Business </a:t>
+            </a:r>
+            <a:r>
+              <a:rPr lang="pl-PL" dirty="0" smtClean="0"/>
+              <a:t>Model</a:t>
+            </a:r>
+            <a:endParaRPr lang="pl-PL" dirty="0"/>
+          </a:p>
+        </p:txBody>
+      </p:sp>
+      <p:sp>
+        <p:nvSpPr>
+          <p:cNvPr id="3" name="Symbol zastępczy zawartości 2"/>
           <p:cNvSpPr>
             <a:spLocks noGrp="1"/>
           </p:cNvSpPr>
@@ -2781,60 +2786,54 @@
             <p:ph idx="1"/>
           </p:nvPr>
         </p:nvSpPr>
-        <p:spPr/>
+        <p:spPr>
+          <a:xfrm>
+            <a:off x="500034" y="1685924"/>
+            <a:ext cx="8429684" cy="4407372"/>
+          </a:xfrm>
+        </p:spPr>
         <p:txBody>
           <a:bodyPr anchor="ctr"/>
           <a:lstStyle/>
           <a:p>
             <a:pPr>
               <a:lnSpc>
-                <a:spcPct val="150000"/>
+                <a:spcPct val="200000"/>
               </a:lnSpc>
             </a:pPr>
             <a:r>
               <a:rPr lang="de-DE" smtClean="0"/>
-              <a:t>Traditional browser games (Ogame, Droidwars)</a:t>
+              <a:t>Advertisments</a:t>
             </a:r>
           </a:p>
           <a:p>
             <a:pPr>
               <a:lnSpc>
-                <a:spcPct val="150000"/>
+                <a:spcPct val="200000"/>
               </a:lnSpc>
             </a:pPr>
             <a:r>
               <a:rPr lang="de-DE" smtClean="0"/>
-              <a:t>Persistent mobile multiplayer games (Mobile Mafia, Kriegs Spiel [sic!])</a:t>
+              <a:t>Selling decorative objects</a:t>
             </a:r>
           </a:p>
           <a:p>
             <a:pPr>
               <a:lnSpc>
-                <a:spcPct val="150000"/>
+                <a:spcPct val="200000"/>
               </a:lnSpc>
             </a:pPr>
             <a:r>
               <a:rPr lang="de-DE" smtClean="0"/>
-              <a:t>Location based social networks (Foursquare, Google Latitude)</a:t>
-            </a:r>
-          </a:p>
-          <a:p>
-            <a:pPr>
-              <a:lnSpc>
-                <a:spcPct val="150000"/>
-              </a:lnSpc>
-            </a:pPr>
-            <a:r>
-              <a:rPr lang="de-DE" smtClean="0"/>
-              <a:t>Ingress by Niantic Labs (closed beta)</a:t>
-            </a:r>
-            <a:endParaRPr lang="de-DE"/>
-          </a:p>
-        </p:txBody>
-      </p:sp>
-      <p:sp>
-        <p:nvSpPr>
-          <p:cNvPr id="4" name="Datumsplatzhalter 3"/>
+              <a:t>Selling organisational services</a:t>
+            </a:r>
+            <a:endParaRPr lang="pl-PL" dirty="0"/>
+          </a:p>
+        </p:txBody>
+      </p:sp>
+      <p:sp>
+        <p:nvSpPr>
+          <p:cNvPr id="4" name="Symbol zastępczy daty 3"/>
           <p:cNvSpPr>
             <a:spLocks noGrp="1"/>
           </p:cNvSpPr>
@@ -2848,8 +2847,12 @@
           <a:lstStyle/>
           <a:p>
             <a:r>
-              <a:rPr lang="de-DE" smtClean="0"/>
-              <a:t>05.11.2012</a:t>
+              <a:rPr lang="pl-PL" dirty="0" smtClean="0"/>
+              <a:t>19</a:t>
+            </a:r>
+            <a:r>
+              <a:rPr lang="de-DE" dirty="0" smtClean="0"/>
+              <a:t>.11.2012</a:t>
             </a:r>
             <a:endParaRPr lang="de-DE" dirty="0"/>
           </a:p>
@@ -2857,7 +2860,7 @@
       </p:sp>
       <p:sp>
         <p:nvSpPr>
-          <p:cNvPr id="5" name="Fußzeilenplatzhalter 4"/>
+          <p:cNvPr id="5" name="Symbol zastępczy stopki 4"/>
           <p:cNvSpPr>
             <a:spLocks noGrp="1"/>
           </p:cNvSpPr>
@@ -2871,8 +2874,20 @@
           <a:lstStyle/>
           <a:p>
             <a:r>
-              <a:rPr lang="de-DE" smtClean="0"/>
-              <a:t>Master Lab Course Web Applications</a:t>
+              <a:rPr lang="de-DE" dirty="0" smtClean="0"/>
+              <a:t>Master Lab </a:t>
+            </a:r>
+            <a:r>
+              <a:rPr lang="de-DE" dirty="0" err="1" smtClean="0"/>
+              <a:t>Course</a:t>
+            </a:r>
+            <a:r>
+              <a:rPr lang="de-DE" dirty="0" smtClean="0"/>
+              <a:t> Web </a:t>
+            </a:r>
+            <a:r>
+              <a:rPr lang="de-DE" dirty="0" err="1" smtClean="0"/>
+              <a:t>Applications</a:t>
             </a:r>
             <a:endParaRPr lang="de-DE" dirty="0"/>
           </a:p>
@@ -2880,7 +2895,7 @@
       </p:sp>
       <p:sp>
         <p:nvSpPr>
-          <p:cNvPr id="6" name="Foliennummernplatzhalter 5"/>
+          <p:cNvPr id="6" name="Symbol zastępczy numeru slajdu 5"/>
           <p:cNvSpPr>
             <a:spLocks noGrp="1"/>
           </p:cNvSpPr>
@@ -2902,6 +2917,32 @@
           </a:p>
         </p:txBody>
       </p:sp>
+      <p:pic>
+        <p:nvPicPr>
+          <p:cNvPr id="1026" name="Picture 2" descr="http://www.clker.com/cliparts/9/9/c/8/1194985891178996774670a029.svg.thumb.png"/>
+          <p:cNvPicPr>
+            <a:picLocks noChangeAspect="1" noChangeArrowheads="1"/>
+          </p:cNvPicPr>
+          <p:nvPr/>
+        </p:nvPicPr>
+        <p:blipFill>
+          <a:blip r:embed="rId2" cstate="print"/>
+          <a:srcRect/>
+          <a:stretch>
+            <a:fillRect/>
+          </a:stretch>
+        </p:blipFill>
+        <p:spPr bwMode="auto">
+          <a:xfrm>
+            <a:off x="6643702" y="1000108"/>
+            <a:ext cx="1530814" cy="1500198"/>
+          </a:xfrm>
+          <a:prstGeom prst="rect">
+            <a:avLst/>
+          </a:prstGeom>
+          <a:noFill/>
+        </p:spPr>
+      </p:pic>
     </p:spTree>
   </p:cSld>
   <p:clrMapOvr>
@@ -2944,7 +2985,7 @@
           <a:p>
             <a:r>
               <a:rPr lang="de-DE" smtClean="0"/>
-              <a:t>Unique selling proposition</a:t>
+              <a:t>Competitors</a:t>
             </a:r>
             <a:endParaRPr lang="de-DE"/>
           </a:p>
@@ -2964,18 +3005,6 @@
         <p:txBody>
           <a:bodyPr anchor="ctr"/>
           <a:lstStyle/>
-          <a:p>
-            <a:r>
-              <a:rPr lang="de-DE" smtClean="0"/>
-              <a:t>Mixture of real-life exploration and traditional browser games</a:t>
-            </a:r>
-          </a:p>
-          <a:p>
-            <a:r>
-              <a:rPr lang="de-DE" smtClean="0"/>
-              <a:t>Players have to meet in person</a:t>
-            </a:r>
-          </a:p>
           <a:p>
             <a:pPr>
               <a:lnSpc>
@@ -2984,10 +3013,41 @@
             </a:pPr>
             <a:r>
               <a:rPr lang="de-DE" smtClean="0"/>
-              <a:t>Imposing of a virtual world over the known material world</a:t>
-            </a:r>
-          </a:p>
-          <a:p>
+              <a:t>Traditional browser games (Ogame, Droidwars)</a:t>
+            </a:r>
+          </a:p>
+          <a:p>
+            <a:pPr>
+              <a:lnSpc>
+                <a:spcPct val="150000"/>
+              </a:lnSpc>
+            </a:pPr>
+            <a:r>
+              <a:rPr lang="de-DE" smtClean="0"/>
+              <a:t>Persistent mobile multiplayer games (Mobile Mafia, Kriegs Spiel [sic!])</a:t>
+            </a:r>
+          </a:p>
+          <a:p>
+            <a:pPr>
+              <a:lnSpc>
+                <a:spcPct val="150000"/>
+              </a:lnSpc>
+            </a:pPr>
+            <a:r>
+              <a:rPr lang="de-DE" smtClean="0"/>
+              <a:t>Location based social networks (Foursquare, Google Latitude)</a:t>
+            </a:r>
+          </a:p>
+          <a:p>
+            <a:pPr>
+              <a:lnSpc>
+                <a:spcPct val="150000"/>
+              </a:lnSpc>
+            </a:pPr>
+            <a:r>
+              <a:rPr lang="de-DE" smtClean="0"/>
+              <a:t>Ingress by Niantic Labs (closed beta)</a:t>
+            </a:r>
             <a:endParaRPr lang="de-DE"/>
           </a:p>
         </p:txBody>
@@ -3057,6 +3117,166 @@
               <a:rPr lang="de-DE" smtClean="0"/>
               <a:pPr/>
               <a:t>11</a:t>
+            </a:fld>
+            <a:endParaRPr lang="de-DE" dirty="0"/>
+          </a:p>
+        </p:txBody>
+      </p:sp>
+    </p:spTree>
+  </p:cSld>
+  <p:clrMapOvr>
+    <a:masterClrMapping/>
+  </p:clrMapOvr>
+</p:sld>
+</file>
+
+<file path=ppt/slides/slide12.xml><?xml version="1.0" encoding="utf-8"?>
+<p:sld xmlns:a="http://schemas.openxmlformats.org/drawingml/2006/main" xmlns:r="http://schemas.openxmlformats.org/officeDocument/2006/relationships" xmlns:p="http://schemas.openxmlformats.org/presentationml/2006/main">
+  <p:cSld>
+    <p:spTree>
+      <p:nvGrpSpPr>
+        <p:cNvPr id="1" name=""/>
+        <p:cNvGrpSpPr/>
+        <p:nvPr/>
+      </p:nvGrpSpPr>
+      <p:grpSpPr>
+        <a:xfrm>
+          <a:off x="0" y="0"/>
+          <a:ext cx="0" cy="0"/>
+          <a:chOff x="0" y="0"/>
+          <a:chExt cx="0" cy="0"/>
+        </a:xfrm>
+      </p:grpSpPr>
+      <p:sp>
+        <p:nvSpPr>
+          <p:cNvPr id="2" name="Titel 1"/>
+          <p:cNvSpPr>
+            <a:spLocks noGrp="1"/>
+          </p:cNvSpPr>
+          <p:nvPr>
+            <p:ph type="title"/>
+          </p:nvPr>
+        </p:nvSpPr>
+        <p:spPr/>
+        <p:txBody>
+          <a:bodyPr/>
+          <a:lstStyle/>
+          <a:p>
+            <a:r>
+              <a:rPr lang="de-DE" smtClean="0"/>
+              <a:t>Unique selling proposition</a:t>
+            </a:r>
+            <a:endParaRPr lang="de-DE"/>
+          </a:p>
+        </p:txBody>
+      </p:sp>
+      <p:sp>
+        <p:nvSpPr>
+          <p:cNvPr id="3" name="Inhaltsplatzhalter 2"/>
+          <p:cNvSpPr>
+            <a:spLocks noGrp="1"/>
+          </p:cNvSpPr>
+          <p:nvPr>
+            <p:ph idx="1"/>
+          </p:nvPr>
+        </p:nvSpPr>
+        <p:spPr/>
+        <p:txBody>
+          <a:bodyPr anchor="ctr"/>
+          <a:lstStyle/>
+          <a:p>
+            <a:r>
+              <a:rPr lang="de-DE" smtClean="0"/>
+              <a:t>Mixture of real-life exploration and traditional browser games</a:t>
+            </a:r>
+          </a:p>
+          <a:p>
+            <a:r>
+              <a:rPr lang="de-DE" smtClean="0"/>
+              <a:t>Players have to meet in person</a:t>
+            </a:r>
+          </a:p>
+          <a:p>
+            <a:pPr>
+              <a:lnSpc>
+                <a:spcPct val="150000"/>
+              </a:lnSpc>
+            </a:pPr>
+            <a:r>
+              <a:rPr lang="de-DE" smtClean="0"/>
+              <a:t>Imposing of a virtual world over the known material world</a:t>
+            </a:r>
+          </a:p>
+          <a:p>
+            <a:endParaRPr lang="de-DE"/>
+          </a:p>
+        </p:txBody>
+      </p:sp>
+      <p:sp>
+        <p:nvSpPr>
+          <p:cNvPr id="4" name="Datumsplatzhalter 3"/>
+          <p:cNvSpPr>
+            <a:spLocks noGrp="1"/>
+          </p:cNvSpPr>
+          <p:nvPr>
+            <p:ph type="dt" sz="half" idx="10"/>
+          </p:nvPr>
+        </p:nvSpPr>
+        <p:spPr/>
+        <p:txBody>
+          <a:bodyPr/>
+          <a:lstStyle/>
+          <a:p>
+            <a:r>
+              <a:rPr lang="de-DE" smtClean="0"/>
+              <a:t>05.11.2012</a:t>
+            </a:r>
+            <a:endParaRPr lang="de-DE" dirty="0"/>
+          </a:p>
+        </p:txBody>
+      </p:sp>
+      <p:sp>
+        <p:nvSpPr>
+          <p:cNvPr id="5" name="Fußzeilenplatzhalter 4"/>
+          <p:cNvSpPr>
+            <a:spLocks noGrp="1"/>
+          </p:cNvSpPr>
+          <p:nvPr>
+            <p:ph type="ftr" sz="quarter" idx="11"/>
+          </p:nvPr>
+        </p:nvSpPr>
+        <p:spPr/>
+        <p:txBody>
+          <a:bodyPr/>
+          <a:lstStyle/>
+          <a:p>
+            <a:r>
+              <a:rPr lang="de-DE" smtClean="0"/>
+              <a:t>Master Lab Course Web Applications</a:t>
+            </a:r>
+            <a:endParaRPr lang="de-DE" dirty="0"/>
+          </a:p>
+        </p:txBody>
+      </p:sp>
+      <p:sp>
+        <p:nvSpPr>
+          <p:cNvPr id="6" name="Foliennummernplatzhalter 5"/>
+          <p:cNvSpPr>
+            <a:spLocks noGrp="1"/>
+          </p:cNvSpPr>
+          <p:nvPr>
+            <p:ph type="sldNum" sz="quarter" idx="12"/>
+          </p:nvPr>
+        </p:nvSpPr>
+        <p:spPr/>
+        <p:txBody>
+          <a:bodyPr/>
+          <a:lstStyle/>
+          <a:p>
+            <a:fld id="{121E5A8C-2088-45D2-9D84-10B3EA412A4C}" type="slidenum">
+              <a:rPr lang="de-DE" smtClean="0"/>
+              <a:pPr/>
+              <a:t>12</a:t>
             </a:fld>
             <a:endParaRPr lang="de-DE" dirty="0"/>
           </a:p>
@@ -3286,15 +3506,15 @@
             <a:noFill/>
           </a:ln>
           <a:extLst>
-            <a:ext uri="{909E8E84-426E-40DD-AFC4-6F175D3DCCD1}">
-              <a14:hiddenFill xmlns:a14="http://schemas.microsoft.com/office/drawing/2010/main" xmlns="">
+            <a:ext uri="{909E8E84-426E-40dd-AFC4-6F175D3DCCD1}">
+              <a14:hiddenFill xmlns:a14="http://schemas.microsoft.com/office/drawing/2010/main">
                 <a:solidFill>
                   <a:srgbClr val="FFFFFF"/>
                 </a:solidFill>
               </a14:hiddenFill>
             </a:ext>
-            <a:ext uri="{91240B29-F687-4F45-9708-019B960494DF}">
-              <a14:hiddenLine xmlns:a14="http://schemas.microsoft.com/office/drawing/2010/main" xmlns="" w="9525">
+            <a:ext uri="{91240B29-F687-4f45-9708-019B960494DF}">
+              <a14:hiddenLine xmlns:a14="http://schemas.microsoft.com/office/drawing/2010/main" w="9525">
                 <a:solidFill>
                   <a:srgbClr val="000000"/>
                 </a:solidFill>
@@ -3337,10 +3557,6 @@
               </a:rPr>
               <a:t>Creation of an augmented reality overlay</a:t>
             </a:r>
-            <a:endParaRPr lang="de-DE" sz="2400" kern="0" smtClean="0">
-              <a:ea typeface="ＭＳ Ｐゴシック" pitchFamily="-65" charset="-128"/>
-              <a:cs typeface="ＭＳ Ｐゴシック" pitchFamily="18" charset="-128"/>
-            </a:endParaRPr>
           </a:p>
           <a:p>
             <a:pPr marL="342900" marR="0" lvl="0" indent="-342900" algn="l" defTabSz="914400" rtl="0" eaLnBrk="1" fontAlgn="base" latinLnBrk="0" hangingPunct="1">
@@ -3434,15 +3650,15 @@
             <a:noFill/>
           </a:ln>
           <a:extLst>
-            <a:ext uri="{909E8E84-426E-40DD-AFC4-6F175D3DCCD1}">
-              <a14:hiddenFill xmlns:a14="http://schemas.microsoft.com/office/drawing/2010/main" xmlns="">
+            <a:ext uri="{909E8E84-426E-40dd-AFC4-6F175D3DCCD1}">
+              <a14:hiddenFill xmlns:a14="http://schemas.microsoft.com/office/drawing/2010/main">
                 <a:solidFill>
                   <a:srgbClr val="FFFFFF"/>
                 </a:solidFill>
               </a14:hiddenFill>
             </a:ext>
-            <a:ext uri="{91240B29-F687-4F45-9708-019B960494DF}">
-              <a14:hiddenLine xmlns:a14="http://schemas.microsoft.com/office/drawing/2010/main" xmlns="" w="9525">
+            <a:ext uri="{91240B29-F687-4f45-9708-019B960494DF}">
+              <a14:hiddenLine xmlns:a14="http://schemas.microsoft.com/office/drawing/2010/main" w="9525">
                 <a:solidFill>
                   <a:srgbClr val="000000"/>
                 </a:solidFill>
@@ -3581,11 +3797,7 @@
             </a:r>
             <a:r>
               <a:rPr lang="pl-PL" smtClean="0"/>
-              <a:t> </a:t>
-            </a:r>
-            <a:r>
-              <a:rPr lang="pl-PL" smtClean="0"/>
-              <a:t>factions</a:t>
+              <a:t> factions</a:t>
             </a:r>
             <a:r>
               <a:rPr lang="de-DE" smtClean="0"/>
@@ -4026,15 +4238,15 @@
             <a:noFill/>
           </a:ln>
           <a:extLst>
-            <a:ext uri="{909E8E84-426E-40DD-AFC4-6F175D3DCCD1}">
-              <a14:hiddenFill xmlns:a14="http://schemas.microsoft.com/office/drawing/2010/main" xmlns="">
+            <a:ext uri="{909E8E84-426E-40dd-AFC4-6F175D3DCCD1}">
+              <a14:hiddenFill xmlns:a14="http://schemas.microsoft.com/office/drawing/2010/main">
                 <a:solidFill>
                   <a:srgbClr val="FFFFFF"/>
                 </a:solidFill>
               </a14:hiddenFill>
             </a:ext>
-            <a:ext uri="{91240B29-F687-4F45-9708-019B960494DF}">
-              <a14:hiddenLine xmlns:a14="http://schemas.microsoft.com/office/drawing/2010/main" xmlns="" w="9525">
+            <a:ext uri="{91240B29-F687-4f45-9708-019B960494DF}">
+              <a14:hiddenLine xmlns:a14="http://schemas.microsoft.com/office/drawing/2010/main" w="9525">
                 <a:solidFill>
                   <a:srgbClr val="000000"/>
                 </a:solidFill>
@@ -4414,8 +4626,8 @@
         </p:nvSpPr>
         <p:spPr>
           <a:xfrm>
-            <a:off x="571472" y="2357430"/>
-            <a:ext cx="4492628" cy="1957390"/>
+            <a:off x="571472" y="1844824"/>
+            <a:ext cx="4492628" cy="2469996"/>
           </a:xfrm>
         </p:spPr>
         <p:txBody>
@@ -4447,8 +4659,15 @@
           </a:p>
           <a:p>
             <a:r>
+              <a:rPr lang="pl-PL" dirty="0"/>
+              <a:t>WebSockets, </a:t>
+            </a:r>
+            <a:endParaRPr lang="pl-PL" dirty="0" smtClean="0"/>
+          </a:p>
+          <a:p>
+            <a:r>
               <a:rPr lang="pl-PL" dirty="0" err="1" smtClean="0"/>
-              <a:t>jQuerry</a:t>
+              <a:t>jQuery</a:t>
             </a:r>
             <a:r>
               <a:rPr lang="pl-PL" dirty="0" smtClean="0"/>
@@ -4472,7 +4691,10 @@
               <a:rPr lang="pl-PL" dirty="0" smtClean="0"/>
               <a:t>.</a:t>
             </a:r>
-            <a:endParaRPr lang="pl-PL" dirty="0"/>
+            <a:br>
+              <a:rPr lang="pl-PL" dirty="0" smtClean="0"/>
+            </a:br>
+            <a:endParaRPr lang="pl-PL" dirty="0" smtClean="0"/>
           </a:p>
         </p:txBody>
       </p:sp>
@@ -4571,15 +4793,15 @@
             <a:noFill/>
           </a:ln>
           <a:extLst>
-            <a:ext uri="{909E8E84-426E-40DD-AFC4-6F175D3DCCD1}">
-              <a14:hiddenFill xmlns:a14="http://schemas.microsoft.com/office/drawing/2010/main" xmlns="">
+            <a:ext uri="{909E8E84-426E-40dd-AFC4-6F175D3DCCD1}">
+              <a14:hiddenFill xmlns:a14="http://schemas.microsoft.com/office/drawing/2010/main">
                 <a:solidFill>
                   <a:srgbClr val="FFFFFF"/>
                 </a:solidFill>
               </a14:hiddenFill>
             </a:ext>
-            <a:ext uri="{91240B29-F687-4F45-9708-019B960494DF}">
-              <a14:hiddenLine xmlns:a14="http://schemas.microsoft.com/office/drawing/2010/main" xmlns="" w="9525">
+            <a:ext uri="{91240B29-F687-4f45-9708-019B960494DF}">
+              <a14:hiddenLine xmlns:a14="http://schemas.microsoft.com/office/drawing/2010/main" w="9525">
                 <a:solidFill>
                   <a:srgbClr val="000000"/>
                 </a:solidFill>
@@ -4983,7 +5205,7 @@
       </p:grpSpPr>
       <p:sp>
         <p:nvSpPr>
-          <p:cNvPr id="2" name="Tytuł 1"/>
+          <p:cNvPr id="2" name="Titel 1"/>
           <p:cNvSpPr>
             <a:spLocks noGrp="1"/>
           </p:cNvSpPr>
@@ -4997,20 +5219,15 @@
           <a:lstStyle/>
           <a:p>
             <a:r>
-              <a:rPr lang="pl-PL" smtClean="0"/>
-              <a:t>Business </a:t>
-            </a:r>
-            <a:r>
-              <a:rPr lang="pl-PL" dirty="0" smtClean="0"/>
-              <a:t>Model</a:t>
-            </a:r>
-            <a:endParaRPr lang="pl-PL" dirty="0"/>
-          </a:p>
-        </p:txBody>
-      </p:sp>
-      <p:sp>
-        <p:nvSpPr>
-          <p:cNvPr id="3" name="Symbol zastępczy zawartości 2"/>
+              <a:rPr lang="de-DE"/>
+              <a:t>Architecture</a:t>
+            </a:r>
+          </a:p>
+        </p:txBody>
+      </p:sp>
+      <p:sp>
+        <p:nvSpPr>
+          <p:cNvPr id="3" name="Inhaltsplatzhalter 2"/>
           <p:cNvSpPr>
             <a:spLocks noGrp="1"/>
           </p:cNvSpPr>
@@ -5020,52 +5237,51 @@
         </p:nvSpPr>
         <p:spPr>
           <a:xfrm>
-            <a:off x="500034" y="1685924"/>
-            <a:ext cx="8429684" cy="4407372"/>
+            <a:off x="5436096" y="1828800"/>
+            <a:ext cx="3559944" cy="4343400"/>
           </a:xfrm>
         </p:spPr>
         <p:txBody>
-          <a:bodyPr anchor="ctr"/>
-          <a:lstStyle/>
-          <a:p>
-            <a:pPr>
-              <a:lnSpc>
-                <a:spcPct val="200000"/>
-              </a:lnSpc>
+          <a:bodyPr/>
+          <a:lstStyle/>
+          <a:p>
+            <a:pPr marL="0" indent="0">
+              <a:buNone/>
             </a:pPr>
             <a:r>
-              <a:rPr lang="de-DE" smtClean="0"/>
-              <a:t>Advertisments</a:t>
-            </a:r>
-          </a:p>
-          <a:p>
-            <a:pPr>
-              <a:lnSpc>
-                <a:spcPct val="200000"/>
-              </a:lnSpc>
-            </a:pPr>
-            <a:r>
-              <a:rPr lang="de-DE" smtClean="0"/>
-              <a:t>Selling decorative objects</a:t>
-            </a:r>
-          </a:p>
-          <a:p>
-            <a:pPr>
-              <a:lnSpc>
-                <a:spcPct val="200000"/>
-              </a:lnSpc>
-            </a:pPr>
-            <a:r>
-              <a:rPr lang="de-DE" smtClean="0"/>
-              <a:t>Selling organisational services</a:t>
-            </a:r>
-            <a:endParaRPr lang="pl-PL" dirty="0"/>
-          </a:p>
-        </p:txBody>
-      </p:sp>
-      <p:sp>
-        <p:nvSpPr>
-          <p:cNvPr id="4" name="Symbol zastępczy daty 3"/>
+              <a:rPr lang="de-DE" b="1"/>
+              <a:t>Client</a:t>
+            </a:r>
+          </a:p>
+          <a:p>
+            <a:r>
+              <a:rPr lang="de-DE"/>
+              <a:t>location</a:t>
+            </a:r>
+          </a:p>
+          <a:p>
+            <a:r>
+              <a:rPr lang="de-DE"/>
+              <a:t>map interaction</a:t>
+            </a:r>
+          </a:p>
+          <a:p>
+            <a:r>
+              <a:rPr lang="de-DE"/>
+              <a:t>client-side game logic</a:t>
+            </a:r>
+          </a:p>
+          <a:p>
+            <a:r>
+              <a:rPr lang="de-DE"/>
+              <a:t>communication</a:t>
+            </a:r>
+          </a:p>
+        </p:txBody>
+      </p:sp>
+      <p:sp>
+        <p:nvSpPr>
+          <p:cNvPr id="4" name="Datumsplatzhalter 3"/>
           <p:cNvSpPr>
             <a:spLocks noGrp="1"/>
           </p:cNvSpPr>
@@ -5079,12 +5295,8 @@
           <a:lstStyle/>
           <a:p>
             <a:r>
-              <a:rPr lang="pl-PL" dirty="0" smtClean="0"/>
-              <a:t>19</a:t>
-            </a:r>
-            <a:r>
               <a:rPr lang="de-DE" dirty="0" smtClean="0"/>
-              <a:t>.11.2012</a:t>
+              <a:t>05.11.2012</a:t>
             </a:r>
             <a:endParaRPr lang="de-DE" dirty="0"/>
           </a:p>
@@ -5092,7 +5304,7 @@
       </p:sp>
       <p:sp>
         <p:nvSpPr>
-          <p:cNvPr id="5" name="Symbol zastępczy stopki 4"/>
+          <p:cNvPr id="5" name="Fußzeilenplatzhalter 4"/>
           <p:cNvSpPr>
             <a:spLocks noGrp="1"/>
           </p:cNvSpPr>
@@ -5127,7 +5339,7 @@
       </p:sp>
       <p:sp>
         <p:nvSpPr>
-          <p:cNvPr id="6" name="Symbol zastępczy numeru slajdu 5"/>
+          <p:cNvPr id="6" name="Foliennummernplatzhalter 5"/>
           <p:cNvSpPr>
             <a:spLocks noGrp="1"/>
           </p:cNvSpPr>
@@ -5149,33 +5361,127 @@
           </a:p>
         </p:txBody>
       </p:sp>
-      <p:pic>
-        <p:nvPicPr>
-          <p:cNvPr id="1026" name="Picture 2" descr="http://www.clker.com/cliparts/9/9/c/8/1194985891178996774670a029.svg.thumb.png"/>
-          <p:cNvPicPr>
-            <a:picLocks noChangeAspect="1" noChangeArrowheads="1"/>
-          </p:cNvPicPr>
+      <p:sp>
+        <p:nvSpPr>
+          <p:cNvPr id="7" name="Symbol zastępczy zawartości 2"/>
+          <p:cNvSpPr txBox="1">
+            <a:spLocks/>
+          </p:cNvSpPr>
           <p:nvPr/>
-        </p:nvPicPr>
-        <p:blipFill>
-          <a:blip r:embed="rId2" cstate="print"/>
-          <a:srcRect/>
-          <a:stretch>
-            <a:fillRect/>
-          </a:stretch>
-        </p:blipFill>
+        </p:nvSpPr>
         <p:spPr bwMode="auto">
           <a:xfrm>
-            <a:off x="6643702" y="1000108"/>
-            <a:ext cx="1530814" cy="1500198"/>
+            <a:off x="539552" y="1870474"/>
+            <a:ext cx="4536504" cy="3214710"/>
           </a:xfrm>
           <a:prstGeom prst="rect">
             <a:avLst/>
           </a:prstGeom>
           <a:noFill/>
+          <a:ln>
+            <a:noFill/>
+          </a:ln>
+          <a:extLst>
+            <a:ext uri="{909E8E84-426E-40dd-AFC4-6F175D3DCCD1}">
+              <a14:hiddenFill xmlns:a14="http://schemas.microsoft.com/office/drawing/2010/main">
+                <a:solidFill>
+                  <a:srgbClr val="FFFFFF"/>
+                </a:solidFill>
+              </a14:hiddenFill>
+            </a:ext>
+            <a:ext uri="{91240B29-F687-4f45-9708-019B960494DF}">
+              <a14:hiddenLine xmlns:a14="http://schemas.microsoft.com/office/drawing/2010/main" w="9525">
+                <a:solidFill>
+                  <a:srgbClr val="000000"/>
+                </a:solidFill>
+                <a:miter lim="800000"/>
+                <a:headEnd/>
+                <a:tailEnd/>
+              </a14:hiddenLine>
+            </a:ext>
+          </a:extLst>
         </p:spPr>
-      </p:pic>
+        <p:txBody>
+          <a:bodyPr vert="horz" wrap="square" lIns="91440" tIns="45720" rIns="91440" bIns="45720" numCol="1" anchor="t" anchorCtr="0" compatLnSpc="1">
+            <a:prstTxWarp prst="textNoShape">
+              <a:avLst/>
+            </a:prstTxWarp>
+          </a:bodyPr>
+          <a:lstStyle/>
+          <a:p>
+            <a:pPr marL="342900" marR="0" lvl="0" indent="-342900" algn="l" defTabSz="914400" rtl="0" eaLnBrk="1" fontAlgn="base" latinLnBrk="0" hangingPunct="1">
+              <a:lnSpc>
+                <a:spcPct val="100000"/>
+              </a:lnSpc>
+              <a:spcBef>
+                <a:spcPct val="20000"/>
+              </a:spcBef>
+              <a:spcAft>
+                <a:spcPct val="0"/>
+              </a:spcAft>
+              <a:buClrTx/>
+              <a:buSzTx/>
+              <a:buFontTx/>
+              <a:buNone/>
+              <a:tabLst/>
+              <a:defRPr/>
+            </a:pPr>
+            <a:r>
+              <a:rPr kumimoji="0" lang="pl-PL" sz="2400" b="1" i="0" u="none" strike="noStrike" kern="0" cap="none" spc="0" normalizeH="0" baseline="0" noProof="0" dirty="0" smtClean="0">
+                <a:ln>
+                  <a:noFill/>
+                </a:ln>
+                <a:solidFill>
+                  <a:schemeClr val="tx1"/>
+                </a:solidFill>
+                <a:effectLst/>
+                <a:uLnTx/>
+                <a:uFillTx/>
+                <a:latin typeface="+mn-lt"/>
+                <a:ea typeface="ＭＳ Ｐゴシック" pitchFamily="-65" charset="-128"/>
+                <a:cs typeface="ＭＳ Ｐゴシック" pitchFamily="18" charset="-128"/>
+              </a:rPr>
+              <a:t>Server</a:t>
+            </a:r>
+          </a:p>
+          <a:p>
+            <a:pPr marL="342900" indent="-342900">
+              <a:buFont typeface="Arial"/>
+              <a:buChar char="•"/>
+            </a:pPr>
+            <a:r>
+              <a:rPr lang="de-DE" sz="2400"/>
+              <a:t>controllers access services and render views</a:t>
+            </a:r>
+          </a:p>
+          <a:p>
+            <a:pPr marL="342900" indent="-342900">
+              <a:buFont typeface="Arial"/>
+              <a:buChar char="•"/>
+            </a:pPr>
+            <a:r>
+              <a:rPr lang="de-DE" sz="2400"/>
+              <a:t>services operate on data objects</a:t>
+            </a:r>
+          </a:p>
+          <a:p>
+            <a:pPr marL="342900" indent="-342900">
+              <a:buFont typeface="Arial"/>
+              <a:buChar char="•"/>
+            </a:pPr>
+            <a:r>
+              <a:rPr lang="de-DE" sz="2400"/>
+              <a:t>game logic (e.g. event generator)</a:t>
+            </a:r>
+          </a:p>
+        </p:txBody>
+      </p:sp>
     </p:spTree>
+    <p:extLst>
+      <p:ext uri="{BB962C8B-B14F-4D97-AF65-F5344CB8AC3E}">
+        <p14:creationId xmlns:p14="http://schemas.microsoft.com/office/powerpoint/2010/main" val="2227431518"/>
+      </p:ext>
+    </p:extLst>
   </p:cSld>
   <p:clrMapOvr>
     <a:masterClrMapping/>
